--- a/Slides/TuningTheGuts.pptx
+++ b/Slides/TuningTheGuts.pptx
@@ -5,10 +5,10 @@
     <p:sldMasterId id="2147483648" r:id="rId1"/>
   </p:sldMasterIdLst>
   <p:notesMasterIdLst>
-    <p:notesMasterId r:id="rId33"/>
+    <p:notesMasterId r:id="rId37"/>
   </p:notesMasterIdLst>
   <p:handoutMasterIdLst>
-    <p:handoutMasterId r:id="rId34"/>
+    <p:handoutMasterId r:id="rId38"/>
   </p:handoutMasterIdLst>
   <p:sldIdLst>
     <p:sldId id="257" r:id="rId2"/>
@@ -42,6 +42,10 @@
     <p:sldId id="287" r:id="rId30"/>
     <p:sldId id="289" r:id="rId31"/>
     <p:sldId id="258" r:id="rId32"/>
+    <p:sldId id="290" r:id="rId33"/>
+    <p:sldId id="291" r:id="rId34"/>
+    <p:sldId id="293" r:id="rId35"/>
+    <p:sldId id="292" r:id="rId36"/>
   </p:sldIdLst>
   <p:sldSz cx="9144000" cy="6858000" type="screen4x3"/>
   <p:notesSz cx="6858000" cy="9144000"/>
@@ -198,10 +202,1412 @@
             <p14:sldId id="258"/>
           </p14:sldIdLst>
         </p14:section>
+        <p14:section name="Experiments" id="{8C72A6D6-C75B-E442-B36E-40553927E094}">
+          <p14:sldIdLst>
+            <p14:sldId id="290"/>
+            <p14:sldId id="291"/>
+            <p14:sldId id="293"/>
+            <p14:sldId id="292"/>
+          </p14:sldIdLst>
+        </p14:section>
       </p14:sectionLst>
     </p:ext>
   </p:extLst>
 </p:presentation>
+</file>
+
+<file path=ppt/charts/chart1.xml><?xml version="1.0" encoding="utf-8"?>
+<c:chartSpace xmlns:c="http://schemas.openxmlformats.org/drawingml/2006/chart" xmlns:a="http://schemas.openxmlformats.org/drawingml/2006/main" xmlns:r="http://schemas.openxmlformats.org/officeDocument/2006/relationships">
+  <c:date1904 val="0"/>
+  <c:lang val="en-US"/>
+  <c:roundedCorners val="0"/>
+  <mc:AlternateContent xmlns:mc="http://schemas.openxmlformats.org/markup-compatibility/2006">
+    <mc:Choice xmlns:c14="http://schemas.microsoft.com/office/drawing/2007/8/2/chart" Requires="c14">
+      <c14:style val="118"/>
+    </mc:Choice>
+    <mc:Fallback>
+      <c:style val="18"/>
+    </mc:Fallback>
+  </mc:AlternateContent>
+  <c:chart>
+    <c:title>
+      <c:tx>
+        <c:rich>
+          <a:bodyPr/>
+          <a:lstStyle/>
+          <a:p>
+            <a:pPr>
+              <a:defRPr/>
+            </a:pPr>
+            <a:r>
+              <a:rPr lang="en-US" dirty="0" smtClean="0"/>
+              <a:t> </a:t>
+            </a:r>
+            <a:endParaRPr lang="en-US" dirty="0"/>
+          </a:p>
+        </c:rich>
+      </c:tx>
+      <c:layout/>
+      <c:overlay val="0"/>
+    </c:title>
+    <c:autoTitleDeleted val="0"/>
+    <c:plotArea>
+      <c:layout>
+        <c:manualLayout>
+          <c:layoutTarget val="inner"/>
+          <c:xMode val="edge"/>
+          <c:yMode val="edge"/>
+          <c:x val="0.354842254921236"/>
+          <c:y val="0.0865550524566443"/>
+          <c:w val="0.607975547581614"/>
+          <c:h val="0.473528054227874"/>
+        </c:manualLayout>
+      </c:layout>
+      <c:barChart>
+        <c:barDir val="col"/>
+        <c:grouping val="clustered"/>
+        <c:varyColors val="0"/>
+        <c:ser>
+          <c:idx val="0"/>
+          <c:order val="0"/>
+          <c:tx>
+            <c:strRef>
+              <c:f>Sheet1!$B$1</c:f>
+              <c:strCache>
+                <c:ptCount val="1"/>
+                <c:pt idx="0">
+                  <c:v>iodepth 1</c:v>
+                </c:pt>
+              </c:strCache>
+            </c:strRef>
+          </c:tx>
+          <c:invertIfNegative val="0"/>
+          <c:cat>
+            <c:numRef>
+              <c:f>Sheet1!$A$2</c:f>
+              <c:numCache>
+                <c:formatCode>General</c:formatCode>
+                <c:ptCount val="1"/>
+              </c:numCache>
+            </c:numRef>
+          </c:cat>
+          <c:val>
+            <c:numRef>
+              <c:f>Sheet1!$B$2</c:f>
+              <c:numCache>
+                <c:formatCode>General</c:formatCode>
+                <c:ptCount val="1"/>
+                <c:pt idx="0">
+                  <c:v>17.0</c:v>
+                </c:pt>
+              </c:numCache>
+            </c:numRef>
+          </c:val>
+        </c:ser>
+        <c:ser>
+          <c:idx val="1"/>
+          <c:order val="1"/>
+          <c:tx>
+            <c:strRef>
+              <c:f>Sheet1!$C$1</c:f>
+              <c:strCache>
+                <c:ptCount val="1"/>
+                <c:pt idx="0">
+                  <c:v>iodepth 32</c:v>
+                </c:pt>
+              </c:strCache>
+            </c:strRef>
+          </c:tx>
+          <c:invertIfNegative val="0"/>
+          <c:cat>
+            <c:numRef>
+              <c:f>Sheet1!$A$2</c:f>
+              <c:numCache>
+                <c:formatCode>General</c:formatCode>
+                <c:ptCount val="1"/>
+              </c:numCache>
+            </c:numRef>
+          </c:cat>
+          <c:val>
+            <c:numRef>
+              <c:f>Sheet1!$C$2</c:f>
+              <c:numCache>
+                <c:formatCode>General</c:formatCode>
+                <c:ptCount val="1"/>
+                <c:pt idx="0">
+                  <c:v>40.0</c:v>
+                </c:pt>
+              </c:numCache>
+            </c:numRef>
+          </c:val>
+        </c:ser>
+        <c:ser>
+          <c:idx val="2"/>
+          <c:order val="2"/>
+          <c:tx>
+            <c:strRef>
+              <c:f>Sheet1!$D$1</c:f>
+              <c:strCache>
+                <c:ptCount val="1"/>
+                <c:pt idx="0">
+                  <c:v>page 32k</c:v>
+                </c:pt>
+              </c:strCache>
+            </c:strRef>
+          </c:tx>
+          <c:invertIfNegative val="0"/>
+          <c:cat>
+            <c:numRef>
+              <c:f>Sheet1!$A$2</c:f>
+              <c:numCache>
+                <c:formatCode>General</c:formatCode>
+                <c:ptCount val="1"/>
+              </c:numCache>
+            </c:numRef>
+          </c:cat>
+          <c:val>
+            <c:numRef>
+              <c:f>Sheet1!$D$2</c:f>
+              <c:numCache>
+                <c:formatCode>General</c:formatCode>
+                <c:ptCount val="1"/>
+                <c:pt idx="0">
+                  <c:v>160.0</c:v>
+                </c:pt>
+              </c:numCache>
+            </c:numRef>
+          </c:val>
+        </c:ser>
+        <c:ser>
+          <c:idx val="3"/>
+          <c:order val="3"/>
+          <c:tx>
+            <c:strRef>
+              <c:f>Sheet1!$E$1</c:f>
+              <c:strCache>
+                <c:ptCount val="1"/>
+                <c:pt idx="0">
+                  <c:v>page 256k</c:v>
+                </c:pt>
+              </c:strCache>
+            </c:strRef>
+          </c:tx>
+          <c:invertIfNegative val="0"/>
+          <c:cat>
+            <c:numRef>
+              <c:f>Sheet1!$A$2</c:f>
+              <c:numCache>
+                <c:formatCode>General</c:formatCode>
+                <c:ptCount val="1"/>
+              </c:numCache>
+            </c:numRef>
+          </c:cat>
+          <c:val>
+            <c:numRef>
+              <c:f>Sheet1!$E$2</c:f>
+              <c:numCache>
+                <c:formatCode>General</c:formatCode>
+                <c:ptCount val="1"/>
+                <c:pt idx="0">
+                  <c:v>165.0</c:v>
+                </c:pt>
+              </c:numCache>
+            </c:numRef>
+          </c:val>
+        </c:ser>
+        <c:ser>
+          <c:idx val="4"/>
+          <c:order val="4"/>
+          <c:tx>
+            <c:strRef>
+              <c:f>Sheet1!$F$1</c:f>
+              <c:strCache>
+                <c:ptCount val="1"/>
+                <c:pt idx="0">
+                  <c:v>data sheet</c:v>
+                </c:pt>
+              </c:strCache>
+            </c:strRef>
+          </c:tx>
+          <c:invertIfNegative val="0"/>
+          <c:cat>
+            <c:numRef>
+              <c:f>Sheet1!$A$2</c:f>
+              <c:numCache>
+                <c:formatCode>General</c:formatCode>
+                <c:ptCount val="1"/>
+              </c:numCache>
+            </c:numRef>
+          </c:cat>
+          <c:val>
+            <c:numRef>
+              <c:f>Sheet1!$F$2</c:f>
+              <c:numCache>
+                <c:formatCode>General</c:formatCode>
+                <c:ptCount val="1"/>
+                <c:pt idx="0">
+                  <c:v>170.0</c:v>
+                </c:pt>
+              </c:numCache>
+            </c:numRef>
+          </c:val>
+        </c:ser>
+        <c:dLbls>
+          <c:showLegendKey val="0"/>
+          <c:showVal val="0"/>
+          <c:showCatName val="0"/>
+          <c:showSerName val="0"/>
+          <c:showPercent val="0"/>
+          <c:showBubbleSize val="0"/>
+        </c:dLbls>
+        <c:gapWidth val="150"/>
+        <c:axId val="-2138943272"/>
+        <c:axId val="-2138940216"/>
+      </c:barChart>
+      <c:catAx>
+        <c:axId val="-2138943272"/>
+        <c:scaling>
+          <c:orientation val="minMax"/>
+        </c:scaling>
+        <c:delete val="0"/>
+        <c:axPos val="b"/>
+        <c:numFmt formatCode="General" sourceLinked="1"/>
+        <c:majorTickMark val="none"/>
+        <c:minorTickMark val="none"/>
+        <c:tickLblPos val="nextTo"/>
+        <c:crossAx val="-2138940216"/>
+        <c:crosses val="autoZero"/>
+        <c:auto val="1"/>
+        <c:lblAlgn val="ctr"/>
+        <c:lblOffset val="100"/>
+        <c:noMultiLvlLbl val="0"/>
+      </c:catAx>
+      <c:valAx>
+        <c:axId val="-2138940216"/>
+        <c:scaling>
+          <c:orientation val="minMax"/>
+        </c:scaling>
+        <c:delete val="0"/>
+        <c:axPos val="l"/>
+        <c:majorGridlines/>
+        <c:title>
+          <c:tx>
+            <c:rich>
+              <a:bodyPr/>
+              <a:lstStyle/>
+              <a:p>
+                <a:pPr>
+                  <a:defRPr/>
+                </a:pPr>
+                <a:r>
+                  <a:rPr lang="en-US" dirty="0" smtClean="0"/>
+                  <a:t>Avg. Throughput </a:t>
+                </a:r>
+              </a:p>
+              <a:p>
+                <a:pPr>
+                  <a:defRPr/>
+                </a:pPr>
+                <a:r>
+                  <a:rPr lang="en-US" dirty="0" smtClean="0"/>
+                  <a:t>(MB/s)</a:t>
+                </a:r>
+                <a:endParaRPr lang="en-US" dirty="0"/>
+              </a:p>
+            </c:rich>
+          </c:tx>
+          <c:layout>
+            <c:manualLayout>
+              <c:xMode val="edge"/>
+              <c:yMode val="edge"/>
+              <c:x val="0.0629237188413297"/>
+              <c:y val="0.104195387172122"/>
+            </c:manualLayout>
+          </c:layout>
+          <c:overlay val="0"/>
+        </c:title>
+        <c:numFmt formatCode="General" sourceLinked="1"/>
+        <c:majorTickMark val="none"/>
+        <c:minorTickMark val="none"/>
+        <c:tickLblPos val="nextTo"/>
+        <c:crossAx val="-2138943272"/>
+        <c:crosses val="autoZero"/>
+        <c:crossBetween val="between"/>
+        <c:majorUnit val="40.0"/>
+      </c:valAx>
+      <c:dTable>
+        <c:showHorzBorder val="1"/>
+        <c:showVertBorder val="0"/>
+        <c:showOutline val="0"/>
+        <c:showKeys val="1"/>
+      </c:dTable>
+    </c:plotArea>
+    <c:plotVisOnly val="1"/>
+    <c:dispBlanksAs val="gap"/>
+    <c:showDLblsOverMax val="0"/>
+  </c:chart>
+  <c:txPr>
+    <a:bodyPr/>
+    <a:lstStyle/>
+    <a:p>
+      <a:pPr>
+        <a:defRPr sz="1800"/>
+      </a:pPr>
+      <a:endParaRPr lang="en-US"/>
+    </a:p>
+  </c:txPr>
+  <c:externalData r:id="rId1">
+    <c:autoUpdate val="0"/>
+  </c:externalData>
+</c:chartSpace>
+</file>
+
+<file path=ppt/charts/chart2.xml><?xml version="1.0" encoding="utf-8"?>
+<c:chartSpace xmlns:c="http://schemas.openxmlformats.org/drawingml/2006/chart" xmlns:a="http://schemas.openxmlformats.org/drawingml/2006/main" xmlns:r="http://schemas.openxmlformats.org/officeDocument/2006/relationships">
+  <c:date1904 val="0"/>
+  <c:lang val="en-US"/>
+  <c:roundedCorners val="0"/>
+  <mc:AlternateContent xmlns:mc="http://schemas.openxmlformats.org/markup-compatibility/2006">
+    <mc:Choice xmlns:c14="http://schemas.microsoft.com/office/drawing/2007/8/2/chart" Requires="c14">
+      <c14:style val="118"/>
+    </mc:Choice>
+    <mc:Fallback>
+      <c:style val="18"/>
+    </mc:Fallback>
+  </mc:AlternateContent>
+  <c:chart>
+    <c:title>
+      <c:tx>
+        <c:rich>
+          <a:bodyPr/>
+          <a:lstStyle/>
+          <a:p>
+            <a:pPr>
+              <a:defRPr/>
+            </a:pPr>
+            <a:r>
+              <a:rPr lang="en-US" dirty="0" smtClean="0"/>
+              <a:t> </a:t>
+            </a:r>
+            <a:endParaRPr lang="en-US" dirty="0"/>
+          </a:p>
+        </c:rich>
+      </c:tx>
+      <c:layout/>
+      <c:overlay val="0"/>
+    </c:title>
+    <c:autoTitleDeleted val="0"/>
+    <c:plotArea>
+      <c:layout>
+        <c:manualLayout>
+          <c:layoutTarget val="inner"/>
+          <c:xMode val="edge"/>
+          <c:yMode val="edge"/>
+          <c:x val="0.354842254921236"/>
+          <c:y val="0.0507700973604473"/>
+          <c:w val="0.607975547581614"/>
+          <c:h val="0.493164678641862"/>
+        </c:manualLayout>
+      </c:layout>
+      <c:barChart>
+        <c:barDir val="col"/>
+        <c:grouping val="clustered"/>
+        <c:varyColors val="0"/>
+        <c:ser>
+          <c:idx val="0"/>
+          <c:order val="0"/>
+          <c:tx>
+            <c:strRef>
+              <c:f>Sheet1!$B$1</c:f>
+              <c:strCache>
+                <c:ptCount val="1"/>
+                <c:pt idx="0">
+                  <c:v>iodepth 1</c:v>
+                </c:pt>
+              </c:strCache>
+            </c:strRef>
+          </c:tx>
+          <c:invertIfNegative val="0"/>
+          <c:cat>
+            <c:numRef>
+              <c:f>Sheet1!$A$2</c:f>
+              <c:numCache>
+                <c:formatCode>General</c:formatCode>
+                <c:ptCount val="1"/>
+              </c:numCache>
+            </c:numRef>
+          </c:cat>
+          <c:val>
+            <c:numRef>
+              <c:f>Sheet1!$B$2</c:f>
+              <c:numCache>
+                <c:formatCode>General</c:formatCode>
+                <c:ptCount val="1"/>
+                <c:pt idx="0">
+                  <c:v>40.0</c:v>
+                </c:pt>
+              </c:numCache>
+            </c:numRef>
+          </c:val>
+        </c:ser>
+        <c:ser>
+          <c:idx val="1"/>
+          <c:order val="1"/>
+          <c:tx>
+            <c:strRef>
+              <c:f>Sheet1!$C$1</c:f>
+              <c:strCache>
+                <c:ptCount val="1"/>
+                <c:pt idx="0">
+                  <c:v>iodepth 32</c:v>
+                </c:pt>
+              </c:strCache>
+            </c:strRef>
+          </c:tx>
+          <c:invertIfNegative val="0"/>
+          <c:cat>
+            <c:numRef>
+              <c:f>Sheet1!$A$2</c:f>
+              <c:numCache>
+                <c:formatCode>General</c:formatCode>
+                <c:ptCount val="1"/>
+              </c:numCache>
+            </c:numRef>
+          </c:cat>
+          <c:val>
+            <c:numRef>
+              <c:f>Sheet1!$C$2</c:f>
+              <c:numCache>
+                <c:formatCode>General</c:formatCode>
+                <c:ptCount val="1"/>
+                <c:pt idx="0">
+                  <c:v>114.0</c:v>
+                </c:pt>
+              </c:numCache>
+            </c:numRef>
+          </c:val>
+        </c:ser>
+        <c:ser>
+          <c:idx val="2"/>
+          <c:order val="2"/>
+          <c:tx>
+            <c:strRef>
+              <c:f>Sheet1!$D$1</c:f>
+              <c:strCache>
+                <c:ptCount val="1"/>
+                <c:pt idx="0">
+                  <c:v>page 32k</c:v>
+                </c:pt>
+              </c:strCache>
+            </c:strRef>
+          </c:tx>
+          <c:invertIfNegative val="0"/>
+          <c:cat>
+            <c:numRef>
+              <c:f>Sheet1!$A$2</c:f>
+              <c:numCache>
+                <c:formatCode>General</c:formatCode>
+                <c:ptCount val="1"/>
+              </c:numCache>
+            </c:numRef>
+          </c:cat>
+          <c:val>
+            <c:numRef>
+              <c:f>Sheet1!$D$2</c:f>
+              <c:numCache>
+                <c:formatCode>General</c:formatCode>
+                <c:ptCount val="1"/>
+                <c:pt idx="0">
+                  <c:v>135.0</c:v>
+                </c:pt>
+              </c:numCache>
+            </c:numRef>
+          </c:val>
+        </c:ser>
+        <c:ser>
+          <c:idx val="3"/>
+          <c:order val="3"/>
+          <c:tx>
+            <c:strRef>
+              <c:f>Sheet1!$E$1</c:f>
+              <c:strCache>
+                <c:ptCount val="1"/>
+                <c:pt idx="0">
+                  <c:v>page 256k</c:v>
+                </c:pt>
+              </c:strCache>
+            </c:strRef>
+          </c:tx>
+          <c:invertIfNegative val="0"/>
+          <c:cat>
+            <c:numRef>
+              <c:f>Sheet1!$A$2</c:f>
+              <c:numCache>
+                <c:formatCode>General</c:formatCode>
+                <c:ptCount val="1"/>
+              </c:numCache>
+            </c:numRef>
+          </c:cat>
+          <c:val>
+            <c:numRef>
+              <c:f>Sheet1!$E$2</c:f>
+              <c:numCache>
+                <c:formatCode>General</c:formatCode>
+                <c:ptCount val="1"/>
+                <c:pt idx="0">
+                  <c:v>165.0</c:v>
+                </c:pt>
+              </c:numCache>
+            </c:numRef>
+          </c:val>
+        </c:ser>
+        <c:ser>
+          <c:idx val="4"/>
+          <c:order val="4"/>
+          <c:tx>
+            <c:strRef>
+              <c:f>Sheet1!$F$1</c:f>
+              <c:strCache>
+                <c:ptCount val="1"/>
+                <c:pt idx="0">
+                  <c:v>data sheet</c:v>
+                </c:pt>
+              </c:strCache>
+            </c:strRef>
+          </c:tx>
+          <c:invertIfNegative val="0"/>
+          <c:cat>
+            <c:numRef>
+              <c:f>Sheet1!$A$2</c:f>
+              <c:numCache>
+                <c:formatCode>General</c:formatCode>
+                <c:ptCount val="1"/>
+              </c:numCache>
+            </c:numRef>
+          </c:cat>
+          <c:val>
+            <c:numRef>
+              <c:f>Sheet1!$F$2</c:f>
+              <c:numCache>
+                <c:formatCode>General</c:formatCode>
+                <c:ptCount val="1"/>
+                <c:pt idx="0">
+                  <c:v>170.0</c:v>
+                </c:pt>
+              </c:numCache>
+            </c:numRef>
+          </c:val>
+        </c:ser>
+        <c:dLbls>
+          <c:showLegendKey val="0"/>
+          <c:showVal val="0"/>
+          <c:showCatName val="0"/>
+          <c:showSerName val="0"/>
+          <c:showPercent val="0"/>
+          <c:showBubbleSize val="0"/>
+        </c:dLbls>
+        <c:gapWidth val="150"/>
+        <c:axId val="-2138865576"/>
+        <c:axId val="-2138862520"/>
+      </c:barChart>
+      <c:catAx>
+        <c:axId val="-2138865576"/>
+        <c:scaling>
+          <c:orientation val="minMax"/>
+        </c:scaling>
+        <c:delete val="0"/>
+        <c:axPos val="b"/>
+        <c:numFmt formatCode="General" sourceLinked="1"/>
+        <c:majorTickMark val="none"/>
+        <c:minorTickMark val="none"/>
+        <c:tickLblPos val="nextTo"/>
+        <c:crossAx val="-2138862520"/>
+        <c:crosses val="autoZero"/>
+        <c:auto val="1"/>
+        <c:lblAlgn val="ctr"/>
+        <c:lblOffset val="100"/>
+        <c:noMultiLvlLbl val="0"/>
+      </c:catAx>
+      <c:valAx>
+        <c:axId val="-2138862520"/>
+        <c:scaling>
+          <c:orientation val="minMax"/>
+        </c:scaling>
+        <c:delete val="0"/>
+        <c:axPos val="l"/>
+        <c:majorGridlines/>
+        <c:title>
+          <c:tx>
+            <c:rich>
+              <a:bodyPr/>
+              <a:lstStyle/>
+              <a:p>
+                <a:pPr>
+                  <a:defRPr/>
+                </a:pPr>
+                <a:r>
+                  <a:rPr lang="en-US" dirty="0" smtClean="0"/>
+                  <a:t>Avg. Throughput </a:t>
+                </a:r>
+              </a:p>
+              <a:p>
+                <a:pPr>
+                  <a:defRPr/>
+                </a:pPr>
+                <a:r>
+                  <a:rPr lang="en-US" dirty="0" smtClean="0"/>
+                  <a:t>(MB/s)</a:t>
+                </a:r>
+                <a:endParaRPr lang="en-US" dirty="0"/>
+              </a:p>
+            </c:rich>
+          </c:tx>
+          <c:layout>
+            <c:manualLayout>
+              <c:xMode val="edge"/>
+              <c:yMode val="edge"/>
+              <c:x val="0.0743643949942988"/>
+              <c:y val="0.0783580580805865"/>
+            </c:manualLayout>
+          </c:layout>
+          <c:overlay val="0"/>
+        </c:title>
+        <c:numFmt formatCode="General" sourceLinked="1"/>
+        <c:majorTickMark val="none"/>
+        <c:minorTickMark val="none"/>
+        <c:tickLblPos val="nextTo"/>
+        <c:crossAx val="-2138865576"/>
+        <c:crosses val="autoZero"/>
+        <c:crossBetween val="between"/>
+        <c:majorUnit val="40.0"/>
+      </c:valAx>
+      <c:dTable>
+        <c:showHorzBorder val="1"/>
+        <c:showVertBorder val="0"/>
+        <c:showOutline val="0"/>
+        <c:showKeys val="1"/>
+      </c:dTable>
+    </c:plotArea>
+    <c:plotVisOnly val="1"/>
+    <c:dispBlanksAs val="gap"/>
+    <c:showDLblsOverMax val="0"/>
+  </c:chart>
+  <c:txPr>
+    <a:bodyPr/>
+    <a:lstStyle/>
+    <a:p>
+      <a:pPr>
+        <a:defRPr sz="1800"/>
+      </a:pPr>
+      <a:endParaRPr lang="en-US"/>
+    </a:p>
+  </c:txPr>
+  <c:externalData r:id="rId1">
+    <c:autoUpdate val="0"/>
+  </c:externalData>
+</c:chartSpace>
+</file>
+
+<file path=ppt/charts/chart3.xml><?xml version="1.0" encoding="utf-8"?>
+<c:chartSpace xmlns:c="http://schemas.openxmlformats.org/drawingml/2006/chart" xmlns:a="http://schemas.openxmlformats.org/drawingml/2006/main" xmlns:r="http://schemas.openxmlformats.org/officeDocument/2006/relationships">
+  <c:date1904 val="0"/>
+  <c:lang val="en-US"/>
+  <c:roundedCorners val="0"/>
+  <mc:AlternateContent xmlns:mc="http://schemas.openxmlformats.org/markup-compatibility/2006">
+    <mc:Choice xmlns:c14="http://schemas.microsoft.com/office/drawing/2007/8/2/chart" Requires="c14">
+      <c14:style val="118"/>
+    </mc:Choice>
+    <mc:Fallback>
+      <c:style val="18"/>
+    </mc:Fallback>
+  </mc:AlternateContent>
+  <c:chart>
+    <c:title>
+      <c:tx>
+        <c:rich>
+          <a:bodyPr/>
+          <a:lstStyle/>
+          <a:p>
+            <a:pPr>
+              <a:defRPr/>
+            </a:pPr>
+            <a:r>
+              <a:rPr lang="en-US" dirty="0" smtClean="0"/>
+              <a:t>IO Latency</a:t>
+            </a:r>
+            <a:r>
+              <a:rPr lang="en-US" baseline="0" dirty="0" smtClean="0"/>
+              <a:t> Distribution</a:t>
+            </a:r>
+            <a:endParaRPr lang="en-US" dirty="0"/>
+          </a:p>
+        </c:rich>
+      </c:tx>
+      <c:layout>
+        <c:manualLayout>
+          <c:xMode val="edge"/>
+          <c:yMode val="edge"/>
+          <c:x val="0.473262631233596"/>
+          <c:y val="0.034375"/>
+        </c:manualLayout>
+      </c:layout>
+      <c:overlay val="0"/>
+    </c:title>
+    <c:autoTitleDeleted val="0"/>
+    <c:plotArea>
+      <c:layout/>
+      <c:ofPieChart>
+        <c:ofPieType val="bar"/>
+        <c:varyColors val="1"/>
+        <c:ser>
+          <c:idx val="0"/>
+          <c:order val="0"/>
+          <c:tx>
+            <c:strRef>
+              <c:f>Sheet1!$B$1</c:f>
+              <c:strCache>
+                <c:ptCount val="1"/>
+                <c:pt idx="0">
+                  <c:v>Sales</c:v>
+                </c:pt>
+              </c:strCache>
+            </c:strRef>
+          </c:tx>
+          <c:cat>
+            <c:strRef>
+              <c:f>Sheet1!$A$2:$A$8</c:f>
+              <c:strCache>
+                <c:ptCount val="7"/>
+                <c:pt idx="0">
+                  <c:v>250 us</c:v>
+                </c:pt>
+                <c:pt idx="1">
+                  <c:v>500 usec</c:v>
+                </c:pt>
+                <c:pt idx="2">
+                  <c:v>750 usec</c:v>
+                </c:pt>
+                <c:pt idx="3">
+                  <c:v>1 msec</c:v>
+                </c:pt>
+                <c:pt idx="4">
+                  <c:v>2 msec</c:v>
+                </c:pt>
+                <c:pt idx="5">
+                  <c:v>4 msec</c:v>
+                </c:pt>
+                <c:pt idx="6">
+                  <c:v>10 msec</c:v>
+                </c:pt>
+              </c:strCache>
+            </c:strRef>
+          </c:cat>
+          <c:val>
+            <c:numRef>
+              <c:f>Sheet1!$B$2:$B$8</c:f>
+              <c:numCache>
+                <c:formatCode>General</c:formatCode>
+                <c:ptCount val="7"/>
+                <c:pt idx="0">
+                  <c:v>2.7</c:v>
+                </c:pt>
+                <c:pt idx="1">
+                  <c:v>63.0</c:v>
+                </c:pt>
+                <c:pt idx="2">
+                  <c:v>17.9</c:v>
+                </c:pt>
+                <c:pt idx="3">
+                  <c:v>7.04</c:v>
+                </c:pt>
+                <c:pt idx="4">
+                  <c:v>8.3</c:v>
+                </c:pt>
+                <c:pt idx="5">
+                  <c:v>0.7</c:v>
+                </c:pt>
+                <c:pt idx="6">
+                  <c:v>0.3</c:v>
+                </c:pt>
+              </c:numCache>
+            </c:numRef>
+          </c:val>
+        </c:ser>
+        <c:dLbls>
+          <c:showLegendKey val="0"/>
+          <c:showVal val="0"/>
+          <c:showCatName val="0"/>
+          <c:showSerName val="0"/>
+          <c:showPercent val="0"/>
+          <c:showBubbleSize val="0"/>
+          <c:showLeaderLines val="1"/>
+        </c:dLbls>
+        <c:gapWidth val="100"/>
+        <c:secondPieSize val="75"/>
+        <c:serLines/>
+      </c:ofPieChart>
+    </c:plotArea>
+    <c:legend>
+      <c:legendPos val="r"/>
+      <c:layout/>
+      <c:overlay val="0"/>
+    </c:legend>
+    <c:plotVisOnly val="1"/>
+    <c:dispBlanksAs val="gap"/>
+    <c:showDLblsOverMax val="0"/>
+  </c:chart>
+  <c:txPr>
+    <a:bodyPr/>
+    <a:lstStyle/>
+    <a:p>
+      <a:pPr>
+        <a:defRPr sz="1800"/>
+      </a:pPr>
+      <a:endParaRPr lang="en-US"/>
+    </a:p>
+  </c:txPr>
+  <c:externalData r:id="rId1">
+    <c:autoUpdate val="0"/>
+  </c:externalData>
+</c:chartSpace>
+</file>
+
+<file path=ppt/charts/chart4.xml><?xml version="1.0" encoding="utf-8"?>
+<c:chartSpace xmlns:c="http://schemas.openxmlformats.org/drawingml/2006/chart" xmlns:a="http://schemas.openxmlformats.org/drawingml/2006/main" xmlns:r="http://schemas.openxmlformats.org/officeDocument/2006/relationships">
+  <c:date1904 val="0"/>
+  <c:lang val="en-US"/>
+  <c:roundedCorners val="0"/>
+  <mc:AlternateContent xmlns:mc="http://schemas.openxmlformats.org/markup-compatibility/2006">
+    <mc:Choice xmlns:c14="http://schemas.microsoft.com/office/drawing/2007/8/2/chart" Requires="c14">
+      <c14:style val="118"/>
+    </mc:Choice>
+    <mc:Fallback>
+      <c:style val="18"/>
+    </mc:Fallback>
+  </mc:AlternateContent>
+  <c:chart>
+    <c:title>
+      <c:tx>
+        <c:rich>
+          <a:bodyPr/>
+          <a:lstStyle/>
+          <a:p>
+            <a:pPr>
+              <a:defRPr/>
+            </a:pPr>
+            <a:r>
+              <a:rPr lang="en-US" dirty="0" smtClean="0"/>
+              <a:t> </a:t>
+            </a:r>
+            <a:endParaRPr lang="en-US" dirty="0"/>
+          </a:p>
+        </c:rich>
+      </c:tx>
+      <c:layout/>
+      <c:overlay val="0"/>
+    </c:title>
+    <c:autoTitleDeleted val="0"/>
+    <c:plotArea>
+      <c:layout/>
+      <c:barChart>
+        <c:barDir val="col"/>
+        <c:grouping val="clustered"/>
+        <c:varyColors val="0"/>
+        <c:ser>
+          <c:idx val="0"/>
+          <c:order val="0"/>
+          <c:tx>
+            <c:strRef>
+              <c:f>Sheet1!$B$1</c:f>
+              <c:strCache>
+                <c:ptCount val="1"/>
+                <c:pt idx="0">
+                  <c:v>iodepth 1</c:v>
+                </c:pt>
+              </c:strCache>
+            </c:strRef>
+          </c:tx>
+          <c:invertIfNegative val="0"/>
+          <c:cat>
+            <c:numRef>
+              <c:f>Sheet1!$A$2</c:f>
+              <c:numCache>
+                <c:formatCode>General</c:formatCode>
+                <c:ptCount val="1"/>
+              </c:numCache>
+            </c:numRef>
+          </c:cat>
+          <c:val>
+            <c:numRef>
+              <c:f>Sheet1!$B$2</c:f>
+              <c:numCache>
+                <c:formatCode>General</c:formatCode>
+                <c:ptCount val="1"/>
+                <c:pt idx="0">
+                  <c:v>4374.0</c:v>
+                </c:pt>
+              </c:numCache>
+            </c:numRef>
+          </c:val>
+        </c:ser>
+        <c:ser>
+          <c:idx val="1"/>
+          <c:order val="1"/>
+          <c:tx>
+            <c:strRef>
+              <c:f>Sheet1!$C$1</c:f>
+              <c:strCache>
+                <c:ptCount val="1"/>
+                <c:pt idx="0">
+                  <c:v>iodepth 32</c:v>
+                </c:pt>
+              </c:strCache>
+            </c:strRef>
+          </c:tx>
+          <c:invertIfNegative val="0"/>
+          <c:cat>
+            <c:numRef>
+              <c:f>Sheet1!$A$2</c:f>
+              <c:numCache>
+                <c:formatCode>General</c:formatCode>
+                <c:ptCount val="1"/>
+              </c:numCache>
+            </c:numRef>
+          </c:cat>
+          <c:val>
+            <c:numRef>
+              <c:f>Sheet1!$C$2</c:f>
+              <c:numCache>
+                <c:formatCode>General</c:formatCode>
+                <c:ptCount val="1"/>
+                <c:pt idx="0">
+                  <c:v>39000.0</c:v>
+                </c:pt>
+              </c:numCache>
+            </c:numRef>
+          </c:val>
+        </c:ser>
+        <c:ser>
+          <c:idx val="2"/>
+          <c:order val="2"/>
+          <c:tx>
+            <c:strRef>
+              <c:f>Sheet1!$D$1</c:f>
+              <c:strCache>
+                <c:ptCount val="1"/>
+                <c:pt idx="0">
+                  <c:v>data sheet</c:v>
+                </c:pt>
+              </c:strCache>
+            </c:strRef>
+          </c:tx>
+          <c:invertIfNegative val="0"/>
+          <c:cat>
+            <c:numRef>
+              <c:f>Sheet1!$A$2</c:f>
+              <c:numCache>
+                <c:formatCode>General</c:formatCode>
+                <c:ptCount val="1"/>
+              </c:numCache>
+            </c:numRef>
+          </c:cat>
+          <c:val>
+            <c:numRef>
+              <c:f>Sheet1!$D$2</c:f>
+              <c:numCache>
+                <c:formatCode>General</c:formatCode>
+                <c:ptCount val="1"/>
+                <c:pt idx="0">
+                  <c:v>38500.0</c:v>
+                </c:pt>
+              </c:numCache>
+            </c:numRef>
+          </c:val>
+        </c:ser>
+        <c:dLbls>
+          <c:showLegendKey val="0"/>
+          <c:showVal val="0"/>
+          <c:showCatName val="0"/>
+          <c:showSerName val="0"/>
+          <c:showPercent val="0"/>
+          <c:showBubbleSize val="0"/>
+        </c:dLbls>
+        <c:gapWidth val="150"/>
+        <c:axId val="-2138819608"/>
+        <c:axId val="-2138816632"/>
+      </c:barChart>
+      <c:catAx>
+        <c:axId val="-2138819608"/>
+        <c:scaling>
+          <c:orientation val="minMax"/>
+        </c:scaling>
+        <c:delete val="0"/>
+        <c:axPos val="b"/>
+        <c:numFmt formatCode="General" sourceLinked="1"/>
+        <c:majorTickMark val="none"/>
+        <c:minorTickMark val="none"/>
+        <c:tickLblPos val="nextTo"/>
+        <c:crossAx val="-2138816632"/>
+        <c:crosses val="autoZero"/>
+        <c:auto val="1"/>
+        <c:lblAlgn val="ctr"/>
+        <c:lblOffset val="100"/>
+        <c:noMultiLvlLbl val="0"/>
+      </c:catAx>
+      <c:valAx>
+        <c:axId val="-2138816632"/>
+        <c:scaling>
+          <c:orientation val="minMax"/>
+        </c:scaling>
+        <c:delete val="0"/>
+        <c:axPos val="l"/>
+        <c:majorGridlines/>
+        <c:title>
+          <c:tx>
+            <c:rich>
+              <a:bodyPr/>
+              <a:lstStyle/>
+              <a:p>
+                <a:pPr>
+                  <a:defRPr/>
+                </a:pPr>
+                <a:r>
+                  <a:rPr lang="en-US" dirty="0" smtClean="0"/>
+                  <a:t>Avg. Throughput </a:t>
+                </a:r>
+                <a:br>
+                  <a:rPr lang="en-US" dirty="0" smtClean="0"/>
+                </a:br>
+                <a:r>
+                  <a:rPr lang="en-US" dirty="0" smtClean="0"/>
+                  <a:t>(</a:t>
+                </a:r>
+                <a:r>
+                  <a:rPr lang="en-US" dirty="0" err="1" smtClean="0"/>
+                  <a:t>iops</a:t>
+                </a:r>
+                <a:r>
+                  <a:rPr lang="en-US" dirty="0" smtClean="0"/>
+                  <a:t>)</a:t>
+                </a:r>
+                <a:endParaRPr lang="en-US" dirty="0"/>
+              </a:p>
+            </c:rich>
+          </c:tx>
+          <c:layout>
+            <c:manualLayout>
+              <c:xMode val="edge"/>
+              <c:yMode val="edge"/>
+              <c:x val="0.0143008451912113"/>
+              <c:y val="0.230025722892102"/>
+            </c:manualLayout>
+          </c:layout>
+          <c:overlay val="0"/>
+        </c:title>
+        <c:numFmt formatCode="General" sourceLinked="1"/>
+        <c:majorTickMark val="none"/>
+        <c:minorTickMark val="none"/>
+        <c:tickLblPos val="nextTo"/>
+        <c:crossAx val="-2138819608"/>
+        <c:crosses val="autoZero"/>
+        <c:crossBetween val="between"/>
+        <c:majorUnit val="10000.0"/>
+        <c:minorUnit val="1000.0"/>
+      </c:valAx>
+      <c:dTable>
+        <c:showHorzBorder val="1"/>
+        <c:showVertBorder val="0"/>
+        <c:showOutline val="0"/>
+        <c:showKeys val="1"/>
+      </c:dTable>
+    </c:plotArea>
+    <c:plotVisOnly val="1"/>
+    <c:dispBlanksAs val="gap"/>
+    <c:showDLblsOverMax val="0"/>
+  </c:chart>
+  <c:txPr>
+    <a:bodyPr/>
+    <a:lstStyle/>
+    <a:p>
+      <a:pPr>
+        <a:defRPr sz="1800"/>
+      </a:pPr>
+      <a:endParaRPr lang="en-US"/>
+    </a:p>
+  </c:txPr>
+  <c:externalData r:id="rId1">
+    <c:autoUpdate val="0"/>
+  </c:externalData>
+</c:chartSpace>
+</file>
+
+<file path=ppt/charts/chart5.xml><?xml version="1.0" encoding="utf-8"?>
+<c:chartSpace xmlns:c="http://schemas.openxmlformats.org/drawingml/2006/chart" xmlns:a="http://schemas.openxmlformats.org/drawingml/2006/main" xmlns:r="http://schemas.openxmlformats.org/officeDocument/2006/relationships">
+  <c:date1904 val="0"/>
+  <c:lang val="en-US"/>
+  <c:roundedCorners val="0"/>
+  <mc:AlternateContent xmlns:mc="http://schemas.openxmlformats.org/markup-compatibility/2006">
+    <mc:Choice xmlns:c14="http://schemas.microsoft.com/office/drawing/2007/8/2/chart" Requires="c14">
+      <c14:style val="118"/>
+    </mc:Choice>
+    <mc:Fallback>
+      <c:style val="18"/>
+    </mc:Fallback>
+  </mc:AlternateContent>
+  <c:chart>
+    <c:title>
+      <c:tx>
+        <c:rich>
+          <a:bodyPr/>
+          <a:lstStyle/>
+          <a:p>
+            <a:pPr>
+              <a:defRPr/>
+            </a:pPr>
+            <a:r>
+              <a:rPr lang="en-US" dirty="0" smtClean="0"/>
+              <a:t> </a:t>
+            </a:r>
+            <a:endParaRPr lang="en-US" dirty="0"/>
+          </a:p>
+        </c:rich>
+      </c:tx>
+      <c:layout/>
+      <c:overlay val="0"/>
+    </c:title>
+    <c:autoTitleDeleted val="0"/>
+    <c:plotArea>
+      <c:layout/>
+      <c:barChart>
+        <c:barDir val="col"/>
+        <c:grouping val="clustered"/>
+        <c:varyColors val="0"/>
+        <c:ser>
+          <c:idx val="0"/>
+          <c:order val="0"/>
+          <c:tx>
+            <c:strRef>
+              <c:f>Sheet1!$B$1</c:f>
+              <c:strCache>
+                <c:ptCount val="1"/>
+                <c:pt idx="0">
+                  <c:v>iodepth 1</c:v>
+                </c:pt>
+              </c:strCache>
+            </c:strRef>
+          </c:tx>
+          <c:invertIfNegative val="0"/>
+          <c:cat>
+            <c:numRef>
+              <c:f>Sheet1!$A$2</c:f>
+              <c:numCache>
+                <c:formatCode>General</c:formatCode>
+                <c:ptCount val="1"/>
+              </c:numCache>
+            </c:numRef>
+          </c:cat>
+          <c:val>
+            <c:numRef>
+              <c:f>Sheet1!$B$2</c:f>
+              <c:numCache>
+                <c:formatCode>General</c:formatCode>
+                <c:ptCount val="1"/>
+                <c:pt idx="0">
+                  <c:v>1500.0</c:v>
+                </c:pt>
+              </c:numCache>
+            </c:numRef>
+          </c:val>
+        </c:ser>
+        <c:ser>
+          <c:idx val="1"/>
+          <c:order val="1"/>
+          <c:tx>
+            <c:strRef>
+              <c:f>Sheet1!$C$1</c:f>
+              <c:strCache>
+                <c:ptCount val="1"/>
+                <c:pt idx="0">
+                  <c:v>iodepth 32</c:v>
+                </c:pt>
+              </c:strCache>
+            </c:strRef>
+          </c:tx>
+          <c:invertIfNegative val="0"/>
+          <c:cat>
+            <c:numRef>
+              <c:f>Sheet1!$A$2</c:f>
+              <c:numCache>
+                <c:formatCode>General</c:formatCode>
+                <c:ptCount val="1"/>
+              </c:numCache>
+            </c:numRef>
+          </c:cat>
+          <c:val>
+            <c:numRef>
+              <c:f>Sheet1!$C$2</c:f>
+              <c:numCache>
+                <c:formatCode>General</c:formatCode>
+                <c:ptCount val="1"/>
+                <c:pt idx="0">
+                  <c:v>9000.0</c:v>
+                </c:pt>
+              </c:numCache>
+            </c:numRef>
+          </c:val>
+        </c:ser>
+        <c:ser>
+          <c:idx val="2"/>
+          <c:order val="2"/>
+          <c:tx>
+            <c:strRef>
+              <c:f>Sheet1!$D$1</c:f>
+              <c:strCache>
+                <c:ptCount val="1"/>
+                <c:pt idx="0">
+                  <c:v>data sheet</c:v>
+                </c:pt>
+              </c:strCache>
+            </c:strRef>
+          </c:tx>
+          <c:invertIfNegative val="0"/>
+          <c:cat>
+            <c:numRef>
+              <c:f>Sheet1!$A$2</c:f>
+              <c:numCache>
+                <c:formatCode>General</c:formatCode>
+                <c:ptCount val="1"/>
+              </c:numCache>
+            </c:numRef>
+          </c:cat>
+          <c:val>
+            <c:numRef>
+              <c:f>Sheet1!$D$2</c:f>
+              <c:numCache>
+                <c:formatCode>General</c:formatCode>
+                <c:ptCount val="1"/>
+                <c:pt idx="0">
+                  <c:v>38500.0</c:v>
+                </c:pt>
+              </c:numCache>
+            </c:numRef>
+          </c:val>
+        </c:ser>
+        <c:dLbls>
+          <c:showLegendKey val="0"/>
+          <c:showVal val="0"/>
+          <c:showCatName val="0"/>
+          <c:showSerName val="0"/>
+          <c:showPercent val="0"/>
+          <c:showBubbleSize val="0"/>
+        </c:dLbls>
+        <c:gapWidth val="150"/>
+        <c:axId val="-2138781496"/>
+        <c:axId val="-2138778520"/>
+      </c:barChart>
+      <c:catAx>
+        <c:axId val="-2138781496"/>
+        <c:scaling>
+          <c:orientation val="minMax"/>
+        </c:scaling>
+        <c:delete val="0"/>
+        <c:axPos val="b"/>
+        <c:numFmt formatCode="General" sourceLinked="1"/>
+        <c:majorTickMark val="none"/>
+        <c:minorTickMark val="none"/>
+        <c:tickLblPos val="nextTo"/>
+        <c:crossAx val="-2138778520"/>
+        <c:crosses val="autoZero"/>
+        <c:auto val="1"/>
+        <c:lblAlgn val="ctr"/>
+        <c:lblOffset val="100"/>
+        <c:noMultiLvlLbl val="0"/>
+      </c:catAx>
+      <c:valAx>
+        <c:axId val="-2138778520"/>
+        <c:scaling>
+          <c:orientation val="minMax"/>
+        </c:scaling>
+        <c:delete val="0"/>
+        <c:axPos val="l"/>
+        <c:majorGridlines/>
+        <c:title>
+          <c:tx>
+            <c:rich>
+              <a:bodyPr/>
+              <a:lstStyle/>
+              <a:p>
+                <a:pPr>
+                  <a:defRPr/>
+                </a:pPr>
+                <a:r>
+                  <a:rPr lang="en-US" dirty="0" smtClean="0"/>
+                  <a:t>Avg. Throughput </a:t>
+                </a:r>
+                <a:br>
+                  <a:rPr lang="en-US" dirty="0" smtClean="0"/>
+                </a:br>
+                <a:r>
+                  <a:rPr lang="en-US" dirty="0" smtClean="0"/>
+                  <a:t>(</a:t>
+                </a:r>
+                <a:r>
+                  <a:rPr lang="en-US" dirty="0" err="1" smtClean="0"/>
+                  <a:t>iops</a:t>
+                </a:r>
+                <a:r>
+                  <a:rPr lang="en-US" dirty="0" smtClean="0"/>
+                  <a:t>)</a:t>
+                </a:r>
+                <a:endParaRPr lang="en-US" dirty="0"/>
+              </a:p>
+            </c:rich>
+          </c:tx>
+          <c:layout>
+            <c:manualLayout>
+              <c:xMode val="edge"/>
+              <c:yMode val="edge"/>
+              <c:x val="0.0143008451912113"/>
+              <c:y val="0.230025722892102"/>
+            </c:manualLayout>
+          </c:layout>
+          <c:overlay val="0"/>
+        </c:title>
+        <c:numFmt formatCode="General" sourceLinked="1"/>
+        <c:majorTickMark val="none"/>
+        <c:minorTickMark val="none"/>
+        <c:tickLblPos val="nextTo"/>
+        <c:crossAx val="-2138781496"/>
+        <c:crosses val="autoZero"/>
+        <c:crossBetween val="between"/>
+        <c:majorUnit val="10000.0"/>
+        <c:minorUnit val="1000.0"/>
+      </c:valAx>
+      <c:dTable>
+        <c:showHorzBorder val="1"/>
+        <c:showVertBorder val="0"/>
+        <c:showOutline val="0"/>
+        <c:showKeys val="1"/>
+      </c:dTable>
+    </c:plotArea>
+    <c:plotVisOnly val="1"/>
+    <c:dispBlanksAs val="gap"/>
+    <c:showDLblsOverMax val="0"/>
+  </c:chart>
+  <c:txPr>
+    <a:bodyPr/>
+    <a:lstStyle/>
+    <a:p>
+      <a:pPr>
+        <a:defRPr sz="1800"/>
+      </a:pPr>
+      <a:endParaRPr lang="en-US"/>
+    </a:p>
+  </c:txPr>
+  <c:externalData r:id="rId1">
+    <c:autoUpdate val="0"/>
+  </c:externalData>
+</c:chartSpace>
 </file>
 
 <file path=ppt/handoutMasters/handoutMaster1.xml><?xml version="1.0" encoding="utf-8"?>
@@ -286,7 +1692,7 @@
           <a:p>
             <a:fld id="{571CE8D6-8999-DA4F-B8D6-1BA6250E802C}" type="datetimeFigureOut">
               <a:rPr lang="en-US" smtClean="0"/>
-              <a:t>2/10/13</a:t>
+              <a:t>2/27/13</a:t>
             </a:fld>
             <a:endParaRPr lang="en-US"/>
           </a:p>
@@ -452,7 +1858,7 @@
           <a:p>
             <a:fld id="{3AAB9720-D45D-7243-8A10-0E0E458F9FA5}" type="datetimeFigureOut">
               <a:rPr lang="en-US" smtClean="0"/>
-              <a:t>2/10/13</a:t>
+              <a:t>2/27/13</a:t>
             </a:fld>
             <a:endParaRPr lang="en-US"/>
           </a:p>
@@ -1310,7 +2716,7 @@
           <a:p>
             <a:fld id="{7FFF1AA8-A9AD-5142-8652-595CE366748A}" type="datetime1">
               <a:rPr lang="en-US" smtClean="0"/>
-              <a:t>2/10/13</a:t>
+              <a:t>2/27/13</a:t>
             </a:fld>
             <a:endParaRPr lang="en-US"/>
           </a:p>
@@ -1484,7 +2890,7 @@
           <a:p>
             <a:fld id="{B6EC74EE-64A7-1A48-80FD-C881E5525360}" type="datetime1">
               <a:rPr lang="en-US" smtClean="0"/>
-              <a:t>2/10/13</a:t>
+              <a:t>2/27/13</a:t>
             </a:fld>
             <a:endParaRPr lang="en-US"/>
           </a:p>
@@ -1668,7 +3074,7 @@
           <a:p>
             <a:fld id="{CD4A008A-95F5-1C47-B5CD-F68294B98B0A}" type="datetime1">
               <a:rPr lang="en-US" smtClean="0"/>
-              <a:t>2/10/13</a:t>
+              <a:t>2/27/13</a:t>
             </a:fld>
             <a:endParaRPr lang="en-US"/>
           </a:p>
@@ -1842,7 +3248,7 @@
           <a:p>
             <a:fld id="{8BA10C16-A33A-FD45-8A7C-C808D5C62863}" type="datetime1">
               <a:rPr lang="en-US" smtClean="0"/>
-              <a:t>2/10/13</a:t>
+              <a:t>2/27/13</a:t>
             </a:fld>
             <a:endParaRPr lang="en-US"/>
           </a:p>
@@ -2092,7 +3498,7 @@
           <a:p>
             <a:fld id="{D9089BE4-EC6A-D74C-A6CD-A3547C65E103}" type="datetime1">
               <a:rPr lang="en-US" smtClean="0"/>
-              <a:t>2/10/13</a:t>
+              <a:t>2/27/13</a:t>
             </a:fld>
             <a:endParaRPr lang="en-US"/>
           </a:p>
@@ -2384,7 +3790,7 @@
           <a:p>
             <a:fld id="{A553E6DC-763E-354C-8AB1-B20C725FE265}" type="datetime1">
               <a:rPr lang="en-US" smtClean="0"/>
-              <a:t>2/10/13</a:t>
+              <a:t>2/27/13</a:t>
             </a:fld>
             <a:endParaRPr lang="en-US"/>
           </a:p>
@@ -2810,7 +4216,7 @@
           <a:p>
             <a:fld id="{FA4AC3DB-976E-DB4A-9A4E-99DBB7B5B7D5}" type="datetime1">
               <a:rPr lang="en-US" smtClean="0"/>
-              <a:t>2/10/13</a:t>
+              <a:t>2/27/13</a:t>
             </a:fld>
             <a:endParaRPr lang="en-US"/>
           </a:p>
@@ -2932,7 +4338,7 @@
           <a:p>
             <a:fld id="{1829906F-D344-654A-ABE1-BBF14635309C}" type="datetime1">
               <a:rPr lang="en-US" smtClean="0"/>
-              <a:t>2/10/13</a:t>
+              <a:t>2/27/13</a:t>
             </a:fld>
             <a:endParaRPr lang="en-US"/>
           </a:p>
@@ -3031,7 +4437,7 @@
           <a:p>
             <a:fld id="{0E66F0A3-56D9-6E40-80A6-1290D12038C5}" type="datetime1">
               <a:rPr lang="en-US" smtClean="0"/>
-              <a:t>2/10/13</a:t>
+              <a:t>2/27/13</a:t>
             </a:fld>
             <a:endParaRPr lang="en-US"/>
           </a:p>
@@ -3312,7 +4718,7 @@
           <a:p>
             <a:fld id="{96808922-CE1B-9444-BD58-CB676C7B233A}" type="datetime1">
               <a:rPr lang="en-US" smtClean="0"/>
-              <a:t>2/10/13</a:t>
+              <a:t>2/27/13</a:t>
             </a:fld>
             <a:endParaRPr lang="en-US"/>
           </a:p>
@@ -3569,7 +4975,7 @@
           <a:p>
             <a:fld id="{5E1132CB-2D38-7447-AE66-0AB8218E4A1B}" type="datetime1">
               <a:rPr lang="en-US" smtClean="0"/>
-              <a:t>2/10/13</a:t>
+              <a:t>2/27/13</a:t>
             </a:fld>
             <a:endParaRPr lang="en-US"/>
           </a:p>
@@ -3786,7 +5192,7 @@
           <a:p>
             <a:fld id="{9924D09A-7696-3945-BA7B-F29BDCFAD5CB}" type="datetime1">
               <a:rPr lang="en-US" smtClean="0"/>
-              <a:t>2/10/13</a:t>
+              <a:t>2/27/13</a:t>
             </a:fld>
             <a:endParaRPr lang="en-US"/>
           </a:p>
@@ -8712,13 +10118,16 @@
                   <a:schemeClr val="bg1"/>
                 </a:solidFill>
               </a:rPr>
-              <a:t>Core 0</a:t>
-            </a:r>
-            <a:endParaRPr lang="en-US" sz="900" dirty="0">
-              <a:solidFill>
-                <a:schemeClr val="bg1"/>
-              </a:solidFill>
-            </a:endParaRPr>
+              <a:t>Core </a:t>
+            </a:r>
+            <a:r>
+              <a:rPr lang="en-US" sz="900" dirty="0">
+                <a:solidFill>
+                  <a:schemeClr val="bg1"/>
+                </a:solidFill>
+              </a:rPr>
+              <a:t>2</a:t>
+            </a:r>
           </a:p>
         </p:txBody>
       </p:sp>
@@ -8872,7 +10281,7 @@
                   <a:schemeClr val="bg1"/>
                 </a:solidFill>
               </a:rPr>
-              <a:t>Core 1</a:t>
+              <a:t>Core 3</a:t>
             </a:r>
             <a:endParaRPr lang="en-US" sz="900" dirty="0">
               <a:solidFill>
@@ -8952,9 +10361,17 @@
                   <a:srgbClr val="FFFFFF"/>
                 </a:solidFill>
               </a:rPr>
-              <a:t>Socket 0</a:t>
-            </a:r>
-            <a:endParaRPr lang="en-US" sz="1000" dirty="0">
+              <a:t>Socket </a:t>
+            </a:r>
+            <a:r>
+              <a:rPr lang="en-US" sz="1000" dirty="0">
+                <a:solidFill>
+                  <a:srgbClr val="FFFFFF"/>
+                </a:solidFill>
+              </a:rPr>
+              <a:t>1</a:t>
+            </a:r>
+            <a:endParaRPr lang="en-US" sz="1000" dirty="0" smtClean="0">
               <a:solidFill>
                 <a:srgbClr val="FFFFFF"/>
               </a:solidFill>
@@ -9953,22 +11370,17 @@
           </a:p>
           <a:p>
             <a:r>
-              <a:rPr lang="en-US" smtClean="0"/>
+              <a:rPr lang="en-US" dirty="0" smtClean="0"/>
               <a:t>N</a:t>
             </a:r>
             <a:r>
-              <a:rPr lang="en-US"/>
+              <a:rPr lang="en-US" dirty="0"/>
               <a:t>e</a:t>
             </a:r>
             <a:r>
-              <a:rPr lang="en-US" smtClean="0"/>
-              <a:t>twork </a:t>
-            </a:r>
-            <a:r>
-              <a:rPr lang="en-US" smtClean="0"/>
-              <a:t>stack</a:t>
-            </a:r>
-            <a:endParaRPr lang="en-US" dirty="0" smtClean="0"/>
+              <a:rPr lang="en-US" dirty="0" smtClean="0"/>
+              <a:t>twork stack</a:t>
+            </a:r>
           </a:p>
         </p:txBody>
       </p:sp>
@@ -12511,13 +13923,13 @@
         <p:spPr/>
         <p:txBody>
           <a:bodyPr>
-            <a:normAutofit lnSpcReduction="10000"/>
+            <a:normAutofit fontScale="92500" lnSpcReduction="10000"/>
           </a:bodyPr>
           <a:lstStyle/>
           <a:p>
             <a:r>
               <a:rPr lang="en-US" dirty="0" smtClean="0"/>
-              <a:t>Mainframe DBMS allow to configure thread priority as well as IO priority</a:t>
+              <a:t>Mainframe OS have allowed to configure thread priority as well as IO priority for some time. Now it is possible to set IO priorities on Linux as well:</a:t>
             </a:r>
           </a:p>
           <a:p>
@@ -12556,6 +13968,56 @@
               <a:t>@ Dennis Shasha and Philippe Bonnet, 2013 </a:t>
             </a:r>
             <a:endParaRPr lang="en-US"/>
+          </a:p>
+        </p:txBody>
+      </p:sp>
+      <p:sp>
+        <p:nvSpPr>
+          <p:cNvPr id="5" name="TextBox 4"/>
+          <p:cNvSpPr txBox="1"/>
+          <p:nvPr/>
+        </p:nvSpPr>
+        <p:spPr>
+          <a:xfrm>
+            <a:off x="677333" y="6058370"/>
+            <a:ext cx="5290368" cy="369332"/>
+          </a:xfrm>
+          <a:prstGeom prst="rect">
+            <a:avLst/>
+          </a:prstGeom>
+          <a:noFill/>
+        </p:spPr>
+        <p:txBody>
+          <a:bodyPr wrap="none" rtlCol="0">
+            <a:spAutoFit/>
+          </a:bodyPr>
+          <a:lstStyle/>
+          <a:p>
+            <a:r>
+              <a:rPr lang="en-US" b="1" dirty="0" smtClean="0"/>
+              <a:t>LOOK UP</a:t>
+            </a:r>
+            <a:r>
+              <a:rPr lang="en-US" dirty="0" smtClean="0"/>
+              <a:t>: </a:t>
+            </a:r>
+            <a:r>
+              <a:rPr lang="en-US" dirty="0" smtClean="0">
+                <a:hlinkClick r:id="rId2"/>
+              </a:rPr>
+              <a:t>Getting Priorities Straight</a:t>
+            </a:r>
+            <a:r>
+              <a:rPr lang="en-US" dirty="0" smtClean="0"/>
+              <a:t>, </a:t>
+            </a:r>
+            <a:r>
+              <a:rPr lang="en-US" dirty="0" smtClean="0">
+                <a:hlinkClick r:id="rId3"/>
+              </a:rPr>
+              <a:t>Linux IO priorities</a:t>
+            </a:r>
+            <a:endParaRPr lang="en-US" dirty="0"/>
           </a:p>
         </p:txBody>
       </p:sp>
@@ -19042,6 +20504,12 @@
           <a:prstGeom prst="rect">
             <a:avLst/>
           </a:prstGeom>
+          <a:solidFill>
+            <a:schemeClr val="accent4">
+              <a:lumMod val="60000"/>
+              <a:lumOff val="40000"/>
+            </a:schemeClr>
+          </a:solidFill>
         </p:spPr>
         <p:style>
           <a:lnRef idx="1">
@@ -19340,6 +20808,12 @@
           <a:prstGeom prst="rect">
             <a:avLst/>
           </a:prstGeom>
+          <a:solidFill>
+            <a:schemeClr val="accent4">
+              <a:lumMod val="60000"/>
+              <a:lumOff val="40000"/>
+            </a:schemeClr>
+          </a:solidFill>
         </p:spPr>
         <p:style>
           <a:lnRef idx="1">
@@ -19382,6 +20856,12 @@
           <a:prstGeom prst="rect">
             <a:avLst/>
           </a:prstGeom>
+          <a:solidFill>
+            <a:schemeClr val="accent4">
+              <a:lumMod val="60000"/>
+              <a:lumOff val="40000"/>
+            </a:schemeClr>
+          </a:solidFill>
         </p:spPr>
         <p:style>
           <a:lnRef idx="1">
@@ -19424,6 +20904,12 @@
           <a:prstGeom prst="rect">
             <a:avLst/>
           </a:prstGeom>
+          <a:solidFill>
+            <a:schemeClr val="accent4">
+              <a:lumMod val="60000"/>
+              <a:lumOff val="40000"/>
+            </a:schemeClr>
+          </a:solidFill>
         </p:spPr>
         <p:style>
           <a:lnRef idx="1">
@@ -19466,6 +20952,12 @@
           <a:prstGeom prst="rect">
             <a:avLst/>
           </a:prstGeom>
+          <a:solidFill>
+            <a:schemeClr val="accent4">
+              <a:lumMod val="60000"/>
+              <a:lumOff val="40000"/>
+            </a:schemeClr>
+          </a:solidFill>
         </p:spPr>
         <p:style>
           <a:lnRef idx="1">
@@ -19508,6 +21000,12 @@
           <a:prstGeom prst="rect">
             <a:avLst/>
           </a:prstGeom>
+          <a:solidFill>
+            <a:schemeClr val="accent4">
+              <a:lumMod val="60000"/>
+              <a:lumOff val="40000"/>
+            </a:schemeClr>
+          </a:solidFill>
         </p:spPr>
         <p:style>
           <a:lnRef idx="1">
@@ -19641,6 +21139,12 @@
           <a:prstGeom prst="rect">
             <a:avLst/>
           </a:prstGeom>
+          <a:solidFill>
+            <a:schemeClr val="accent4">
+              <a:lumMod val="60000"/>
+              <a:lumOff val="40000"/>
+            </a:schemeClr>
+          </a:solidFill>
         </p:spPr>
         <p:style>
           <a:lnRef idx="1">
@@ -19683,6 +21187,12 @@
           <a:prstGeom prst="rect">
             <a:avLst/>
           </a:prstGeom>
+          <a:solidFill>
+            <a:schemeClr val="accent4">
+              <a:lumMod val="60000"/>
+              <a:lumOff val="40000"/>
+            </a:schemeClr>
+          </a:solidFill>
         </p:spPr>
         <p:style>
           <a:lnRef idx="1">
@@ -20409,6 +21919,144 @@
           </a:fontRef>
         </p:style>
       </p:cxnSp>
+      <p:sp>
+        <p:nvSpPr>
+          <p:cNvPr id="3" name="Rectangle 2"/>
+          <p:cNvSpPr/>
+          <p:nvPr/>
+        </p:nvSpPr>
+        <p:spPr>
+          <a:xfrm>
+            <a:off x="6841597" y="5386260"/>
+            <a:ext cx="543663" cy="210604"/>
+          </a:xfrm>
+          <a:prstGeom prst="rect">
+            <a:avLst/>
+          </a:prstGeom>
+        </p:spPr>
+        <p:style>
+          <a:lnRef idx="1">
+            <a:schemeClr val="accent1"/>
+          </a:lnRef>
+          <a:fillRef idx="3">
+            <a:schemeClr val="accent1"/>
+          </a:fillRef>
+          <a:effectRef idx="2">
+            <a:schemeClr val="accent1"/>
+          </a:effectRef>
+          <a:fontRef idx="minor">
+            <a:schemeClr val="lt1"/>
+          </a:fontRef>
+        </p:style>
+        <p:txBody>
+          <a:bodyPr rtlCol="0" anchor="ctr"/>
+          <a:lstStyle/>
+          <a:p>
+            <a:pPr algn="ctr"/>
+            <a:endParaRPr lang="en-US"/>
+          </a:p>
+        </p:txBody>
+      </p:sp>
+      <p:sp>
+        <p:nvSpPr>
+          <p:cNvPr id="44" name="Rectangle 43"/>
+          <p:cNvSpPr/>
+          <p:nvPr/>
+        </p:nvSpPr>
+        <p:spPr>
+          <a:xfrm>
+            <a:off x="6831541" y="5710357"/>
+            <a:ext cx="543663" cy="210604"/>
+          </a:xfrm>
+          <a:prstGeom prst="rect">
+            <a:avLst/>
+          </a:prstGeom>
+          <a:solidFill>
+            <a:srgbClr val="B3A2C7"/>
+          </a:solidFill>
+        </p:spPr>
+        <p:style>
+          <a:lnRef idx="1">
+            <a:schemeClr val="accent1"/>
+          </a:lnRef>
+          <a:fillRef idx="3">
+            <a:schemeClr val="accent1"/>
+          </a:fillRef>
+          <a:effectRef idx="2">
+            <a:schemeClr val="accent1"/>
+          </a:effectRef>
+          <a:fontRef idx="minor">
+            <a:schemeClr val="lt1"/>
+          </a:fontRef>
+        </p:style>
+        <p:txBody>
+          <a:bodyPr rtlCol="0" anchor="ctr"/>
+          <a:lstStyle/>
+          <a:p>
+            <a:pPr algn="ctr"/>
+            <a:endParaRPr lang="en-US"/>
+          </a:p>
+        </p:txBody>
+      </p:sp>
+      <p:sp>
+        <p:nvSpPr>
+          <p:cNvPr id="17" name="TextBox 16"/>
+          <p:cNvSpPr txBox="1"/>
+          <p:nvPr/>
+        </p:nvSpPr>
+        <p:spPr>
+          <a:xfrm>
+            <a:off x="7375204" y="5386260"/>
+            <a:ext cx="1253393" cy="276999"/>
+          </a:xfrm>
+          <a:prstGeom prst="rect">
+            <a:avLst/>
+          </a:prstGeom>
+          <a:noFill/>
+        </p:spPr>
+        <p:txBody>
+          <a:bodyPr wrap="none" rtlCol="0">
+            <a:spAutoFit/>
+          </a:bodyPr>
+          <a:lstStyle/>
+          <a:p>
+            <a:r>
+              <a:rPr lang="en-US" sz="1200" dirty="0"/>
+              <a:t>Byte addressable</a:t>
+            </a:r>
+          </a:p>
+        </p:txBody>
+      </p:sp>
+      <p:sp>
+        <p:nvSpPr>
+          <p:cNvPr id="45" name="TextBox 44"/>
+          <p:cNvSpPr txBox="1"/>
+          <p:nvPr/>
+        </p:nvSpPr>
+        <p:spPr>
+          <a:xfrm>
+            <a:off x="7359621" y="5650026"/>
+            <a:ext cx="1313180" cy="276999"/>
+          </a:xfrm>
+          <a:prstGeom prst="rect">
+            <a:avLst/>
+          </a:prstGeom>
+          <a:noFill/>
+        </p:spPr>
+        <p:txBody>
+          <a:bodyPr wrap="none" rtlCol="0">
+            <a:spAutoFit/>
+          </a:bodyPr>
+          <a:lstStyle/>
+          <a:p>
+            <a:r>
+              <a:rPr lang="en-US" sz="1200" dirty="0" smtClean="0"/>
+              <a:t>Block addressable</a:t>
+            </a:r>
+            <a:endParaRPr lang="en-US" sz="1200" dirty="0"/>
+          </a:p>
+        </p:txBody>
+      </p:sp>
     </p:spTree>
     <p:extLst>
       <p:ext uri="{BB962C8B-B14F-4D97-AF65-F5344CB8AC3E}">
@@ -21218,6 +22866,1497 @@
 </p:sld>
 </file>
 
+<file path=ppt/slides/slide32.xml><?xml version="1.0" encoding="utf-8"?>
+<p:sld xmlns:a="http://schemas.openxmlformats.org/drawingml/2006/main" xmlns:r="http://schemas.openxmlformats.org/officeDocument/2006/relationships" xmlns:p="http://schemas.openxmlformats.org/presentationml/2006/main">
+  <p:cSld>
+    <p:spTree>
+      <p:nvGrpSpPr>
+        <p:cNvPr id="1" name=""/>
+        <p:cNvGrpSpPr/>
+        <p:nvPr/>
+      </p:nvGrpSpPr>
+      <p:grpSpPr>
+        <a:xfrm>
+          <a:off x="0" y="0"/>
+          <a:ext cx="0" cy="0"/>
+          <a:chOff x="0" y="0"/>
+          <a:chExt cx="0" cy="0"/>
+        </a:xfrm>
+      </p:grpSpPr>
+      <p:sp>
+        <p:nvSpPr>
+          <p:cNvPr id="5" name="Title 4"/>
+          <p:cNvSpPr>
+            <a:spLocks noGrp="1"/>
+          </p:cNvSpPr>
+          <p:nvPr>
+            <p:ph type="title"/>
+          </p:nvPr>
+        </p:nvSpPr>
+        <p:spPr/>
+        <p:txBody>
+          <a:bodyPr/>
+          <a:lstStyle/>
+          <a:p>
+            <a:r>
+              <a:rPr lang="en-US" dirty="0" smtClean="0"/>
+              <a:t>Virtual Storage Performance</a:t>
+            </a:r>
+            <a:endParaRPr lang="en-US" dirty="0"/>
+          </a:p>
+        </p:txBody>
+      </p:sp>
+      <p:sp>
+        <p:nvSpPr>
+          <p:cNvPr id="4" name="Footer Placeholder 3"/>
+          <p:cNvSpPr>
+            <a:spLocks noGrp="1"/>
+          </p:cNvSpPr>
+          <p:nvPr>
+            <p:ph type="ftr" sz="quarter" idx="11"/>
+          </p:nvPr>
+        </p:nvSpPr>
+        <p:spPr/>
+        <p:txBody>
+          <a:bodyPr/>
+          <a:lstStyle/>
+          <a:p>
+            <a:r>
+              <a:rPr lang="en-US" smtClean="0"/>
+              <a:t>@ Dennis Shasha and Philippe Bonnet, 2013 </a:t>
+            </a:r>
+            <a:endParaRPr lang="en-US"/>
+          </a:p>
+        </p:txBody>
+      </p:sp>
+      <p:pic>
+        <p:nvPicPr>
+          <p:cNvPr id="6" name="Picture 5"/>
+          <p:cNvPicPr>
+            <a:picLocks noChangeAspect="1"/>
+          </p:cNvPicPr>
+          <p:nvPr/>
+        </p:nvPicPr>
+        <p:blipFill>
+          <a:blip r:embed="rId2"/>
+          <a:stretch>
+            <a:fillRect/>
+          </a:stretch>
+        </p:blipFill>
+        <p:spPr>
+          <a:xfrm>
+            <a:off x="457200" y="1810926"/>
+            <a:ext cx="2466265" cy="1571037"/>
+          </a:xfrm>
+          <a:prstGeom prst="rect">
+            <a:avLst/>
+          </a:prstGeom>
+        </p:spPr>
+      </p:pic>
+      <p:sp>
+        <p:nvSpPr>
+          <p:cNvPr id="7" name="TextBox 6"/>
+          <p:cNvSpPr txBox="1"/>
+          <p:nvPr/>
+        </p:nvSpPr>
+        <p:spPr>
+          <a:xfrm>
+            <a:off x="457200" y="3340149"/>
+            <a:ext cx="3277009" cy="1661994"/>
+          </a:xfrm>
+          <a:prstGeom prst="rect">
+            <a:avLst/>
+          </a:prstGeom>
+          <a:noFill/>
+        </p:spPr>
+        <p:txBody>
+          <a:bodyPr wrap="none" rtlCol="0">
+            <a:spAutoFit/>
+          </a:bodyPr>
+          <a:lstStyle/>
+          <a:p>
+            <a:r>
+              <a:rPr lang="en-US" dirty="0" smtClean="0">
+                <a:hlinkClick r:id="rId3"/>
+              </a:rPr>
+              <a:t>Intel 710</a:t>
+            </a:r>
+            <a:endParaRPr lang="en-US" dirty="0" smtClean="0"/>
+          </a:p>
+          <a:p>
+            <a:r>
+              <a:rPr lang="en-US" sz="1200" dirty="0" smtClean="0"/>
+              <a:t>(100GN, 2.5in SATA 3Gb/s, 25nm, MLC)</a:t>
+            </a:r>
+          </a:p>
+          <a:p>
+            <a:r>
+              <a:rPr lang="en-US" sz="1200" dirty="0" smtClean="0"/>
+              <a:t>170 MB/s sequential write</a:t>
+            </a:r>
+          </a:p>
+          <a:p>
+            <a:r>
+              <a:rPr lang="en-US" sz="1200" dirty="0" smtClean="0"/>
+              <a:t>	85 </a:t>
+            </a:r>
+            <a:r>
+              <a:rPr lang="en-US" sz="1200" dirty="0" err="1" smtClean="0"/>
+              <a:t>usec</a:t>
+            </a:r>
+            <a:r>
+              <a:rPr lang="en-US" sz="1200" dirty="0" smtClean="0"/>
+              <a:t> latency write</a:t>
+            </a:r>
+          </a:p>
+          <a:p>
+            <a:r>
+              <a:rPr lang="en-US" sz="1200" dirty="0" smtClean="0"/>
+              <a:t>38500 </a:t>
+            </a:r>
+            <a:r>
+              <a:rPr lang="en-US" sz="1200" dirty="0" err="1" smtClean="0"/>
+              <a:t>iops</a:t>
+            </a:r>
+            <a:r>
+              <a:rPr lang="en-US" sz="1200" dirty="0" smtClean="0"/>
+              <a:t> Random reads (full range; 32 </a:t>
+            </a:r>
+            <a:r>
+              <a:rPr lang="en-US" sz="1200" dirty="0" err="1" smtClean="0"/>
+              <a:t>iodepth</a:t>
+            </a:r>
+            <a:r>
+              <a:rPr lang="en-US" sz="1200" dirty="0" smtClean="0"/>
+              <a:t>)</a:t>
+            </a:r>
+          </a:p>
+          <a:p>
+            <a:r>
+              <a:rPr lang="en-US" sz="1200" dirty="0" smtClean="0"/>
+              <a:t>	75 </a:t>
+            </a:r>
+            <a:r>
+              <a:rPr lang="en-US" sz="1200" dirty="0" err="1" smtClean="0"/>
+              <a:t>usec</a:t>
+            </a:r>
+            <a:r>
+              <a:rPr lang="en-US" sz="1200" dirty="0" smtClean="0"/>
+              <a:t> latency reads</a:t>
+            </a:r>
+          </a:p>
+          <a:p>
+            <a:endParaRPr lang="en-US" sz="1200" dirty="0" smtClean="0"/>
+          </a:p>
+          <a:p>
+            <a:endParaRPr lang="en-US" sz="1200" dirty="0"/>
+          </a:p>
+        </p:txBody>
+      </p:sp>
+      <p:cxnSp>
+        <p:nvCxnSpPr>
+          <p:cNvPr id="11" name="Straight Connector 10"/>
+          <p:cNvCxnSpPr>
+            <a:stCxn id="6" idx="3"/>
+            <a:endCxn id="12" idx="1"/>
+          </p:cNvCxnSpPr>
+          <p:nvPr/>
+        </p:nvCxnSpPr>
+        <p:spPr>
+          <a:xfrm>
+            <a:off x="2923465" y="2596445"/>
+            <a:ext cx="1262831" cy="4703"/>
+          </a:xfrm>
+          <a:prstGeom prst="line">
+            <a:avLst/>
+          </a:prstGeom>
+        </p:spPr>
+        <p:style>
+          <a:lnRef idx="2">
+            <a:schemeClr val="accent1"/>
+          </a:lnRef>
+          <a:fillRef idx="0">
+            <a:schemeClr val="accent1"/>
+          </a:fillRef>
+          <a:effectRef idx="1">
+            <a:schemeClr val="accent1"/>
+          </a:effectRef>
+          <a:fontRef idx="minor">
+            <a:schemeClr val="tx1"/>
+          </a:fontRef>
+        </p:style>
+      </p:cxnSp>
+      <p:sp>
+        <p:nvSpPr>
+          <p:cNvPr id="12" name="Rectangle 11"/>
+          <p:cNvSpPr/>
+          <p:nvPr/>
+        </p:nvSpPr>
+        <p:spPr>
+          <a:xfrm>
+            <a:off x="4186296" y="2126074"/>
+            <a:ext cx="1407348" cy="950148"/>
+          </a:xfrm>
+          <a:prstGeom prst="rect">
+            <a:avLst/>
+          </a:prstGeom>
+        </p:spPr>
+        <p:style>
+          <a:lnRef idx="1">
+            <a:schemeClr val="accent1"/>
+          </a:lnRef>
+          <a:fillRef idx="3">
+            <a:schemeClr val="accent1"/>
+          </a:fillRef>
+          <a:effectRef idx="2">
+            <a:schemeClr val="accent1"/>
+          </a:effectRef>
+          <a:fontRef idx="minor">
+            <a:schemeClr val="lt1"/>
+          </a:fontRef>
+        </p:style>
+        <p:txBody>
+          <a:bodyPr rtlCol="0" anchor="ctr"/>
+          <a:lstStyle/>
+          <a:p>
+            <a:pPr algn="ctr"/>
+            <a:r>
+              <a:rPr lang="nl-NL" dirty="0" err="1" smtClean="0"/>
+              <a:t>Core</a:t>
+            </a:r>
+            <a:r>
+              <a:rPr lang="nl-NL" dirty="0" smtClean="0"/>
+              <a:t> </a:t>
+            </a:r>
+            <a:r>
+              <a:rPr lang="nl-NL" dirty="0"/>
+              <a:t>i5 CPU         750  @ 2.67GHz</a:t>
+            </a:r>
+          </a:p>
+        </p:txBody>
+      </p:sp>
+      <p:sp>
+        <p:nvSpPr>
+          <p:cNvPr id="13" name="TextBox 12"/>
+          <p:cNvSpPr txBox="1"/>
+          <p:nvPr/>
+        </p:nvSpPr>
+        <p:spPr>
+          <a:xfrm>
+            <a:off x="5706514" y="1467922"/>
+            <a:ext cx="3192893" cy="2893100"/>
+          </a:xfrm>
+          <a:prstGeom prst="rect">
+            <a:avLst/>
+          </a:prstGeom>
+          <a:noFill/>
+        </p:spPr>
+        <p:txBody>
+          <a:bodyPr wrap="square" rtlCol="0">
+            <a:spAutoFit/>
+          </a:bodyPr>
+          <a:lstStyle/>
+          <a:p>
+            <a:r>
+              <a:rPr lang="en-US" sz="2000" dirty="0" smtClean="0"/>
+              <a:t>Host: Ubuntu </a:t>
+            </a:r>
+            <a:r>
+              <a:rPr lang="en-US" sz="2000" dirty="0" smtClean="0"/>
+              <a:t>12.04</a:t>
+            </a:r>
+          </a:p>
+          <a:p>
+            <a:r>
+              <a:rPr lang="en-US" sz="2000" dirty="0"/>
+              <a:t>	</a:t>
+            </a:r>
+            <a:r>
+              <a:rPr lang="en-US" sz="1400" dirty="0" err="1" smtClean="0"/>
+              <a:t>noop</a:t>
+            </a:r>
+            <a:r>
+              <a:rPr lang="en-US" sz="1400" dirty="0" smtClean="0"/>
+              <a:t> scheduler</a:t>
+            </a:r>
+            <a:endParaRPr lang="en-US" sz="1400" dirty="0" smtClean="0"/>
+          </a:p>
+          <a:p>
+            <a:r>
+              <a:rPr lang="en-US" sz="2000" dirty="0" smtClean="0"/>
+              <a:t>VM: </a:t>
+            </a:r>
+            <a:r>
+              <a:rPr lang="en-US" sz="2000" dirty="0" err="1" smtClean="0"/>
+              <a:t>VirtualBox</a:t>
+            </a:r>
+            <a:r>
+              <a:rPr lang="en-US" sz="2000" dirty="0" smtClean="0"/>
+              <a:t> 4.2 (</a:t>
+            </a:r>
+            <a:r>
+              <a:rPr lang="en-US" sz="2000" b="1" u="sng" dirty="0" smtClean="0"/>
+              <a:t>nice -5</a:t>
+            </a:r>
+            <a:r>
+              <a:rPr lang="en-US" sz="2000" dirty="0" smtClean="0"/>
+              <a:t>)</a:t>
+            </a:r>
+          </a:p>
+          <a:p>
+            <a:r>
+              <a:rPr lang="en-US" sz="2000" dirty="0"/>
+              <a:t>	</a:t>
+            </a:r>
+            <a:r>
+              <a:rPr lang="en-US" sz="1400" dirty="0" smtClean="0"/>
+              <a:t>all accelerations enabled</a:t>
+            </a:r>
+          </a:p>
+          <a:p>
+            <a:r>
+              <a:rPr lang="en-US" sz="1400" dirty="0" smtClean="0"/>
+              <a:t>	4 CPUs</a:t>
+            </a:r>
+          </a:p>
+          <a:p>
+            <a:r>
+              <a:rPr lang="en-US" sz="1400" dirty="0"/>
+              <a:t>	</a:t>
+            </a:r>
+            <a:r>
+              <a:rPr lang="en-US" sz="1400" dirty="0" smtClean="0"/>
+              <a:t>8 GB VDI disk (fixed)</a:t>
+            </a:r>
+            <a:br>
+              <a:rPr lang="en-US" sz="1400" dirty="0" smtClean="0"/>
+            </a:br>
+            <a:r>
+              <a:rPr lang="en-US" sz="1400" dirty="0" smtClean="0"/>
+              <a:t>	SATA Controller</a:t>
+            </a:r>
+          </a:p>
+          <a:p>
+            <a:r>
+              <a:rPr lang="en-US" sz="2000" dirty="0" smtClean="0"/>
+              <a:t>Guest: Ubuntu 12.04</a:t>
+            </a:r>
+            <a:br>
+              <a:rPr lang="en-US" sz="2000" dirty="0" smtClean="0"/>
+            </a:br>
+            <a:r>
+              <a:rPr lang="en-US" sz="2000" dirty="0" smtClean="0"/>
+              <a:t>	</a:t>
+            </a:r>
+            <a:r>
+              <a:rPr lang="en-US" sz="1400" dirty="0" err="1" smtClean="0"/>
+              <a:t>noop</a:t>
+            </a:r>
+            <a:r>
+              <a:rPr lang="en-US" sz="1400" dirty="0" smtClean="0"/>
+              <a:t> scheduler</a:t>
+            </a:r>
+          </a:p>
+          <a:p>
+            <a:endParaRPr lang="en-US" sz="2000" dirty="0" smtClean="0"/>
+          </a:p>
+        </p:txBody>
+      </p:sp>
+      <p:sp>
+        <p:nvSpPr>
+          <p:cNvPr id="14" name="TextBox 13"/>
+          <p:cNvSpPr txBox="1"/>
+          <p:nvPr/>
+        </p:nvSpPr>
+        <p:spPr>
+          <a:xfrm>
+            <a:off x="4449703" y="3089813"/>
+            <a:ext cx="864339" cy="369332"/>
+          </a:xfrm>
+          <a:prstGeom prst="rect">
+            <a:avLst/>
+          </a:prstGeom>
+          <a:noFill/>
+        </p:spPr>
+        <p:txBody>
+          <a:bodyPr wrap="none" rtlCol="0">
+            <a:spAutoFit/>
+          </a:bodyPr>
+          <a:lstStyle/>
+          <a:p>
+            <a:r>
+              <a:rPr lang="en-US" dirty="0" smtClean="0"/>
+              <a:t>4 cores</a:t>
+            </a:r>
+            <a:endParaRPr lang="en-US" dirty="0"/>
+          </a:p>
+        </p:txBody>
+      </p:sp>
+      <p:sp>
+        <p:nvSpPr>
+          <p:cNvPr id="19" name="TextBox 18"/>
+          <p:cNvSpPr txBox="1"/>
+          <p:nvPr/>
+        </p:nvSpPr>
+        <p:spPr>
+          <a:xfrm>
+            <a:off x="173734" y="5167418"/>
+            <a:ext cx="4012562" cy="923330"/>
+          </a:xfrm>
+          <a:prstGeom prst="rect">
+            <a:avLst/>
+          </a:prstGeom>
+          <a:noFill/>
+        </p:spPr>
+        <p:txBody>
+          <a:bodyPr wrap="none" rtlCol="0">
+            <a:spAutoFit/>
+          </a:bodyPr>
+          <a:lstStyle/>
+          <a:p>
+            <a:r>
+              <a:rPr lang="en-US" dirty="0" smtClean="0"/>
+              <a:t>Experiments with </a:t>
+            </a:r>
+            <a:r>
+              <a:rPr lang="en-US" dirty="0" smtClean="0">
+                <a:hlinkClick r:id="rId4"/>
+              </a:rPr>
+              <a:t>flexible I/O tester (</a:t>
+            </a:r>
+            <a:r>
+              <a:rPr lang="en-US" dirty="0" err="1" smtClean="0">
+                <a:hlinkClick r:id="rId4"/>
+              </a:rPr>
+              <a:t>fio</a:t>
+            </a:r>
+            <a:r>
+              <a:rPr lang="en-US" dirty="0" smtClean="0">
+                <a:hlinkClick r:id="rId4"/>
+              </a:rPr>
+              <a:t>)</a:t>
+            </a:r>
+            <a:r>
+              <a:rPr lang="en-US" dirty="0" smtClean="0"/>
+              <a:t>: </a:t>
+            </a:r>
+          </a:p>
+          <a:p>
+            <a:r>
+              <a:rPr lang="en-US" dirty="0"/>
+              <a:t> </a:t>
+            </a:r>
+            <a:r>
+              <a:rPr lang="en-US" dirty="0" smtClean="0"/>
+              <a:t>- sequential writes (</a:t>
+            </a:r>
+            <a:r>
+              <a:rPr lang="en-US" dirty="0" err="1" smtClean="0"/>
+              <a:t>seqWrites.fio</a:t>
+            </a:r>
+            <a:r>
+              <a:rPr lang="en-US" dirty="0" smtClean="0"/>
+              <a:t>)</a:t>
+            </a:r>
+          </a:p>
+          <a:p>
+            <a:r>
+              <a:rPr lang="en-US" dirty="0" smtClean="0"/>
+              <a:t> - random reads (</a:t>
+            </a:r>
+            <a:r>
+              <a:rPr lang="en-US" dirty="0" err="1" smtClean="0"/>
+              <a:t>randReads.fio</a:t>
+            </a:r>
+            <a:r>
+              <a:rPr lang="en-US" dirty="0" smtClean="0"/>
+              <a:t>)</a:t>
+            </a:r>
+            <a:endParaRPr lang="en-US" dirty="0"/>
+          </a:p>
+        </p:txBody>
+      </p:sp>
+      <p:sp>
+        <p:nvSpPr>
+          <p:cNvPr id="20" name="TextBox 19"/>
+          <p:cNvSpPr txBox="1"/>
+          <p:nvPr/>
+        </p:nvSpPr>
+        <p:spPr>
+          <a:xfrm>
+            <a:off x="6683085" y="4321918"/>
+            <a:ext cx="1569886" cy="1754327"/>
+          </a:xfrm>
+          <a:prstGeom prst="rect">
+            <a:avLst/>
+          </a:prstGeom>
+          <a:noFill/>
+        </p:spPr>
+        <p:txBody>
+          <a:bodyPr wrap="none" rtlCol="0">
+            <a:spAutoFit/>
+          </a:bodyPr>
+          <a:lstStyle/>
+          <a:p>
+            <a:r>
+              <a:rPr lang="en-US" sz="1200" dirty="0">
+                <a:latin typeface="Courier"/>
+                <a:cs typeface="Courier"/>
+              </a:rPr>
+              <a:t>[</a:t>
+            </a:r>
+            <a:r>
+              <a:rPr lang="en-US" sz="1200" dirty="0" err="1">
+                <a:latin typeface="Courier"/>
+                <a:cs typeface="Courier"/>
+              </a:rPr>
+              <a:t>seqWrites</a:t>
+            </a:r>
+            <a:r>
+              <a:rPr lang="en-US" sz="1200" dirty="0">
+                <a:latin typeface="Courier"/>
+                <a:cs typeface="Courier"/>
+              </a:rPr>
+              <a:t>]</a:t>
+            </a:r>
+          </a:p>
+          <a:p>
+            <a:r>
+              <a:rPr lang="en-US" sz="1200" dirty="0" err="1">
+                <a:latin typeface="Courier"/>
+                <a:cs typeface="Courier"/>
+              </a:rPr>
+              <a:t>ioengine</a:t>
+            </a:r>
+            <a:r>
+              <a:rPr lang="en-US" sz="1200" dirty="0">
+                <a:latin typeface="Courier"/>
+                <a:cs typeface="Courier"/>
+              </a:rPr>
+              <a:t>=</a:t>
+            </a:r>
+            <a:r>
+              <a:rPr lang="en-US" sz="1200" dirty="0" err="1">
+                <a:latin typeface="Courier"/>
+                <a:cs typeface="Courier"/>
+              </a:rPr>
+              <a:t>libaio</a:t>
+            </a:r>
+            <a:endParaRPr lang="en-US" sz="1200" dirty="0">
+              <a:latin typeface="Courier"/>
+              <a:cs typeface="Courier"/>
+            </a:endParaRPr>
+          </a:p>
+          <a:p>
+            <a:r>
+              <a:rPr lang="en-US" sz="1200" dirty="0" err="1" smtClean="0">
+                <a:latin typeface="Courier"/>
+                <a:cs typeface="Courier"/>
+              </a:rPr>
+              <a:t>Iodepth</a:t>
+            </a:r>
+            <a:r>
+              <a:rPr lang="en-US" sz="1200" dirty="0" smtClean="0">
+                <a:latin typeface="Courier"/>
+                <a:cs typeface="Courier"/>
+              </a:rPr>
+              <a:t>=</a:t>
+            </a:r>
+            <a:r>
+              <a:rPr lang="en-US" sz="1200" dirty="0" smtClean="0">
+                <a:latin typeface="Courier"/>
+                <a:cs typeface="Courier"/>
+              </a:rPr>
+              <a:t>32</a:t>
+            </a:r>
+            <a:endParaRPr lang="en-US" sz="1200" dirty="0">
+              <a:latin typeface="Courier"/>
+              <a:cs typeface="Courier"/>
+            </a:endParaRPr>
+          </a:p>
+          <a:p>
+            <a:r>
+              <a:rPr lang="en-US" sz="1200" dirty="0" err="1">
+                <a:latin typeface="Courier"/>
+                <a:cs typeface="Courier"/>
+              </a:rPr>
+              <a:t>rw</a:t>
+            </a:r>
+            <a:r>
+              <a:rPr lang="en-US" sz="1200" dirty="0">
+                <a:latin typeface="Courier"/>
+                <a:cs typeface="Courier"/>
+              </a:rPr>
+              <a:t>=write</a:t>
+            </a:r>
+          </a:p>
+          <a:p>
+            <a:r>
+              <a:rPr lang="en-US" sz="1200" dirty="0" err="1">
+                <a:latin typeface="Courier"/>
+                <a:cs typeface="Courier"/>
+              </a:rPr>
+              <a:t>bs</a:t>
+            </a:r>
+            <a:r>
+              <a:rPr lang="en-US" sz="1200" dirty="0">
+                <a:latin typeface="Courier"/>
+                <a:cs typeface="Courier"/>
+              </a:rPr>
+              <a:t>=4k,4k</a:t>
+            </a:r>
+          </a:p>
+          <a:p>
+            <a:r>
+              <a:rPr lang="en-US" sz="1200" dirty="0">
+                <a:latin typeface="Courier"/>
+                <a:cs typeface="Courier"/>
+              </a:rPr>
+              <a:t>direct=1</a:t>
+            </a:r>
+          </a:p>
+          <a:p>
+            <a:r>
+              <a:rPr lang="en-US" sz="1200" dirty="0" err="1" smtClean="0">
+                <a:latin typeface="Courier"/>
+                <a:cs typeface="Courier"/>
+              </a:rPr>
+              <a:t>Numjobs</a:t>
+            </a:r>
+            <a:r>
+              <a:rPr lang="en-US" sz="1200" dirty="0" smtClean="0">
+                <a:latin typeface="Courier"/>
+                <a:cs typeface="Courier"/>
+              </a:rPr>
+              <a:t>=1</a:t>
+            </a:r>
+            <a:endParaRPr lang="en-US" sz="1200" dirty="0">
+              <a:latin typeface="Courier"/>
+              <a:cs typeface="Courier"/>
+            </a:endParaRPr>
+          </a:p>
+          <a:p>
+            <a:r>
+              <a:rPr lang="en-US" sz="1200" dirty="0">
+                <a:latin typeface="Courier"/>
+                <a:cs typeface="Courier"/>
+              </a:rPr>
+              <a:t>size=50m</a:t>
+            </a:r>
+          </a:p>
+          <a:p>
+            <a:r>
+              <a:rPr lang="en-US" sz="1200" dirty="0">
+                <a:latin typeface="Courier"/>
+                <a:cs typeface="Courier"/>
+              </a:rPr>
+              <a:t>directory=</a:t>
+            </a:r>
+            <a:r>
+              <a:rPr lang="en-US" sz="1200" dirty="0" smtClean="0">
+                <a:latin typeface="Courier"/>
+                <a:cs typeface="Courier"/>
+              </a:rPr>
+              <a:t>/</a:t>
+            </a:r>
+            <a:r>
+              <a:rPr lang="en-US" sz="1200" dirty="0" err="1" smtClean="0">
+                <a:latin typeface="Courier"/>
+                <a:cs typeface="Courier"/>
+              </a:rPr>
+              <a:t>tmp</a:t>
+            </a:r>
+            <a:endParaRPr lang="en-US" sz="1200" dirty="0">
+              <a:latin typeface="Courier"/>
+              <a:cs typeface="Courier"/>
+            </a:endParaRPr>
+          </a:p>
+        </p:txBody>
+      </p:sp>
+      <p:sp>
+        <p:nvSpPr>
+          <p:cNvPr id="21" name="TextBox 20"/>
+          <p:cNvSpPr txBox="1"/>
+          <p:nvPr/>
+        </p:nvSpPr>
+        <p:spPr>
+          <a:xfrm>
+            <a:off x="4420338" y="4335243"/>
+            <a:ext cx="1569886" cy="1754327"/>
+          </a:xfrm>
+          <a:prstGeom prst="rect">
+            <a:avLst/>
+          </a:prstGeom>
+          <a:noFill/>
+        </p:spPr>
+        <p:txBody>
+          <a:bodyPr wrap="none" rtlCol="0">
+            <a:spAutoFit/>
+          </a:bodyPr>
+          <a:lstStyle/>
+          <a:p>
+            <a:r>
+              <a:rPr lang="en-US" sz="1200" dirty="0" smtClean="0">
+                <a:latin typeface="Courier"/>
+                <a:cs typeface="Courier"/>
+              </a:rPr>
+              <a:t>[</a:t>
+            </a:r>
+            <a:r>
+              <a:rPr lang="en-US" sz="1200" dirty="0" err="1" smtClean="0">
+                <a:latin typeface="Courier"/>
+                <a:cs typeface="Courier"/>
+              </a:rPr>
+              <a:t>randReads</a:t>
+            </a:r>
+            <a:r>
+              <a:rPr lang="en-US" sz="1200" dirty="0" smtClean="0">
+                <a:latin typeface="Courier"/>
+                <a:cs typeface="Courier"/>
+              </a:rPr>
+              <a:t>]</a:t>
+            </a:r>
+            <a:endParaRPr lang="en-US" sz="1200" dirty="0">
+              <a:latin typeface="Courier"/>
+              <a:cs typeface="Courier"/>
+            </a:endParaRPr>
+          </a:p>
+          <a:p>
+            <a:r>
+              <a:rPr lang="en-US" sz="1200" dirty="0" err="1">
+                <a:latin typeface="Courier"/>
+                <a:cs typeface="Courier"/>
+              </a:rPr>
+              <a:t>ioengine</a:t>
+            </a:r>
+            <a:r>
+              <a:rPr lang="en-US" sz="1200" dirty="0">
+                <a:latin typeface="Courier"/>
+                <a:cs typeface="Courier"/>
+              </a:rPr>
+              <a:t>=</a:t>
+            </a:r>
+            <a:r>
+              <a:rPr lang="en-US" sz="1200" dirty="0" err="1">
+                <a:latin typeface="Courier"/>
+                <a:cs typeface="Courier"/>
+              </a:rPr>
+              <a:t>libaio</a:t>
+            </a:r>
+            <a:endParaRPr lang="en-US" sz="1200" dirty="0">
+              <a:latin typeface="Courier"/>
+              <a:cs typeface="Courier"/>
+            </a:endParaRPr>
+          </a:p>
+          <a:p>
+            <a:r>
+              <a:rPr lang="en-US" sz="1200" dirty="0" err="1" smtClean="0">
+                <a:latin typeface="Courier"/>
+                <a:cs typeface="Courier"/>
+              </a:rPr>
+              <a:t>Iodepth</a:t>
+            </a:r>
+            <a:r>
+              <a:rPr lang="en-US" sz="1200" dirty="0" smtClean="0">
+                <a:latin typeface="Courier"/>
+                <a:cs typeface="Courier"/>
+              </a:rPr>
+              <a:t>=32</a:t>
+            </a:r>
+            <a:endParaRPr lang="en-US" sz="1200" dirty="0">
+              <a:latin typeface="Courier"/>
+              <a:cs typeface="Courier"/>
+            </a:endParaRPr>
+          </a:p>
+          <a:p>
+            <a:r>
+              <a:rPr lang="en-US" sz="1200" dirty="0" err="1">
+                <a:latin typeface="Courier"/>
+                <a:cs typeface="Courier"/>
+              </a:rPr>
+              <a:t>rw</a:t>
+            </a:r>
+            <a:r>
+              <a:rPr lang="en-US" sz="1200" dirty="0" smtClean="0">
+                <a:latin typeface="Courier"/>
+                <a:cs typeface="Courier"/>
+              </a:rPr>
+              <a:t>=read</a:t>
+            </a:r>
+            <a:endParaRPr lang="en-US" sz="1200" dirty="0">
+              <a:latin typeface="Courier"/>
+              <a:cs typeface="Courier"/>
+            </a:endParaRPr>
+          </a:p>
+          <a:p>
+            <a:r>
+              <a:rPr lang="en-US" sz="1200" dirty="0" err="1">
+                <a:latin typeface="Courier"/>
+                <a:cs typeface="Courier"/>
+              </a:rPr>
+              <a:t>bs</a:t>
+            </a:r>
+            <a:r>
+              <a:rPr lang="en-US" sz="1200" dirty="0">
+                <a:latin typeface="Courier"/>
+                <a:cs typeface="Courier"/>
+              </a:rPr>
+              <a:t>=4k,4k</a:t>
+            </a:r>
+          </a:p>
+          <a:p>
+            <a:r>
+              <a:rPr lang="en-US" sz="1200" dirty="0">
+                <a:latin typeface="Courier"/>
+                <a:cs typeface="Courier"/>
+              </a:rPr>
+              <a:t>direct=1</a:t>
+            </a:r>
+          </a:p>
+          <a:p>
+            <a:r>
+              <a:rPr lang="en-US" sz="1200" dirty="0" err="1" smtClean="0">
+                <a:latin typeface="Courier"/>
+                <a:cs typeface="Courier"/>
+              </a:rPr>
+              <a:t>Numjobs</a:t>
+            </a:r>
+            <a:r>
+              <a:rPr lang="en-US" sz="1200" dirty="0" smtClean="0">
+                <a:latin typeface="Courier"/>
+                <a:cs typeface="Courier"/>
+              </a:rPr>
+              <a:t>=1</a:t>
+            </a:r>
+            <a:endParaRPr lang="en-US" sz="1200" dirty="0">
+              <a:latin typeface="Courier"/>
+              <a:cs typeface="Courier"/>
+            </a:endParaRPr>
+          </a:p>
+          <a:p>
+            <a:r>
+              <a:rPr lang="en-US" sz="1200" dirty="0">
+                <a:latin typeface="Courier"/>
+                <a:cs typeface="Courier"/>
+              </a:rPr>
+              <a:t>size=50m</a:t>
+            </a:r>
+          </a:p>
+          <a:p>
+            <a:r>
+              <a:rPr lang="en-US" sz="1200" dirty="0">
+                <a:latin typeface="Courier"/>
+                <a:cs typeface="Courier"/>
+              </a:rPr>
+              <a:t>directory</a:t>
+            </a:r>
+            <a:r>
+              <a:rPr lang="en-US" sz="1200" dirty="0" smtClean="0">
+                <a:latin typeface="Courier"/>
+                <a:cs typeface="Courier"/>
+              </a:rPr>
+              <a:t>=/</a:t>
+            </a:r>
+            <a:r>
+              <a:rPr lang="en-US" sz="1200" dirty="0" err="1" smtClean="0">
+                <a:latin typeface="Courier"/>
+                <a:cs typeface="Courier"/>
+              </a:rPr>
+              <a:t>tmp</a:t>
+            </a:r>
+            <a:endParaRPr lang="en-US" sz="1200" dirty="0">
+              <a:latin typeface="Courier"/>
+              <a:cs typeface="Courier"/>
+            </a:endParaRPr>
+          </a:p>
+        </p:txBody>
+      </p:sp>
+    </p:spTree>
+    <p:extLst>
+      <p:ext uri="{BB962C8B-B14F-4D97-AF65-F5344CB8AC3E}">
+        <p14:creationId xmlns:p14="http://schemas.microsoft.com/office/powerpoint/2010/main" val="3004891370"/>
+      </p:ext>
+    </p:extLst>
+  </p:cSld>
+  <p:clrMapOvr>
+    <a:masterClrMapping/>
+  </p:clrMapOvr>
+</p:sld>
+</file>
+
+<file path=ppt/slides/slide33.xml><?xml version="1.0" encoding="utf-8"?>
+<p:sld xmlns:a="http://schemas.openxmlformats.org/drawingml/2006/main" xmlns:r="http://schemas.openxmlformats.org/officeDocument/2006/relationships" xmlns:p="http://schemas.openxmlformats.org/presentationml/2006/main">
+  <p:cSld>
+    <p:spTree>
+      <p:nvGrpSpPr>
+        <p:cNvPr id="1" name=""/>
+        <p:cNvGrpSpPr/>
+        <p:nvPr/>
+      </p:nvGrpSpPr>
+      <p:grpSpPr>
+        <a:xfrm>
+          <a:off x="0" y="0"/>
+          <a:ext cx="0" cy="0"/>
+          <a:chOff x="0" y="0"/>
+          <a:chExt cx="0" cy="0"/>
+        </a:xfrm>
+      </p:grpSpPr>
+      <p:sp>
+        <p:nvSpPr>
+          <p:cNvPr id="2" name="Title 1"/>
+          <p:cNvSpPr>
+            <a:spLocks noGrp="1"/>
+          </p:cNvSpPr>
+          <p:nvPr>
+            <p:ph type="title"/>
+          </p:nvPr>
+        </p:nvSpPr>
+        <p:spPr/>
+        <p:txBody>
+          <a:bodyPr/>
+          <a:lstStyle/>
+          <a:p>
+            <a:r>
+              <a:rPr lang="en-US" dirty="0" smtClean="0"/>
+              <a:t>Virtual Storage - </a:t>
+            </a:r>
+            <a:r>
+              <a:rPr lang="en-US" dirty="0" err="1" smtClean="0"/>
+              <a:t>seqWrites</a:t>
+            </a:r>
+            <a:endParaRPr lang="en-US" dirty="0"/>
+          </a:p>
+        </p:txBody>
+      </p:sp>
+      <p:sp>
+        <p:nvSpPr>
+          <p:cNvPr id="3" name="Footer Placeholder 2"/>
+          <p:cNvSpPr>
+            <a:spLocks noGrp="1"/>
+          </p:cNvSpPr>
+          <p:nvPr>
+            <p:ph type="ftr" sz="quarter" idx="11"/>
+          </p:nvPr>
+        </p:nvSpPr>
+        <p:spPr/>
+        <p:txBody>
+          <a:bodyPr/>
+          <a:lstStyle/>
+          <a:p>
+            <a:r>
+              <a:rPr lang="en-US" smtClean="0"/>
+              <a:t>@ Dennis Shasha and Philippe Bonnet, 2013 </a:t>
+            </a:r>
+            <a:endParaRPr lang="en-US"/>
+          </a:p>
+        </p:txBody>
+      </p:sp>
+      <p:graphicFrame>
+        <p:nvGraphicFramePr>
+          <p:cNvPr id="5" name="Chart 4" title="THrought"/>
+          <p:cNvGraphicFramePr/>
+          <p:nvPr>
+            <p:extLst>
+              <p:ext uri="{D42A27DB-BD31-4B8C-83A1-F6EECF244321}">
+                <p14:modId xmlns:p14="http://schemas.microsoft.com/office/powerpoint/2010/main" val="1943313985"/>
+              </p:ext>
+            </p:extLst>
+          </p:nvPr>
+        </p:nvGraphicFramePr>
+        <p:xfrm>
+          <a:off x="4547539" y="1828800"/>
+          <a:ext cx="4440297" cy="3932295"/>
+        </p:xfrm>
+        <a:graphic>
+          <a:graphicData uri="http://schemas.openxmlformats.org/drawingml/2006/chart">
+            <c:chart xmlns:c="http://schemas.openxmlformats.org/drawingml/2006/chart" xmlns:r="http://schemas.openxmlformats.org/officeDocument/2006/relationships" r:id="rId2"/>
+          </a:graphicData>
+        </a:graphic>
+      </p:graphicFrame>
+      <p:sp>
+        <p:nvSpPr>
+          <p:cNvPr id="8" name="TextBox 7"/>
+          <p:cNvSpPr txBox="1"/>
+          <p:nvPr/>
+        </p:nvSpPr>
+        <p:spPr>
+          <a:xfrm>
+            <a:off x="1279407" y="5804370"/>
+            <a:ext cx="2185214" cy="369332"/>
+          </a:xfrm>
+          <a:prstGeom prst="rect">
+            <a:avLst/>
+          </a:prstGeom>
+          <a:noFill/>
+        </p:spPr>
+        <p:txBody>
+          <a:bodyPr wrap="none" rtlCol="0">
+            <a:spAutoFit/>
+          </a:bodyPr>
+          <a:lstStyle/>
+          <a:p>
+            <a:r>
+              <a:rPr lang="en-US" dirty="0" smtClean="0"/>
+              <a:t>Performance on Host</a:t>
+            </a:r>
+            <a:endParaRPr lang="en-US" dirty="0"/>
+          </a:p>
+        </p:txBody>
+      </p:sp>
+      <p:sp>
+        <p:nvSpPr>
+          <p:cNvPr id="9" name="TextBox 8"/>
+          <p:cNvSpPr txBox="1"/>
+          <p:nvPr/>
+        </p:nvSpPr>
+        <p:spPr>
+          <a:xfrm>
+            <a:off x="5702770" y="5772104"/>
+            <a:ext cx="2300630" cy="369332"/>
+          </a:xfrm>
+          <a:prstGeom prst="rect">
+            <a:avLst/>
+          </a:prstGeom>
+          <a:noFill/>
+        </p:spPr>
+        <p:txBody>
+          <a:bodyPr wrap="none" rtlCol="0">
+            <a:spAutoFit/>
+          </a:bodyPr>
+          <a:lstStyle/>
+          <a:p>
+            <a:r>
+              <a:rPr lang="en-US" dirty="0" smtClean="0"/>
+              <a:t>Performance on Guest</a:t>
+            </a:r>
+            <a:endParaRPr lang="en-US" dirty="0"/>
+          </a:p>
+        </p:txBody>
+      </p:sp>
+      <p:graphicFrame>
+        <p:nvGraphicFramePr>
+          <p:cNvPr id="10" name="Chart 9" title="THrought"/>
+          <p:cNvGraphicFramePr/>
+          <p:nvPr>
+            <p:extLst>
+              <p:ext uri="{D42A27DB-BD31-4B8C-83A1-F6EECF244321}">
+                <p14:modId xmlns:p14="http://schemas.microsoft.com/office/powerpoint/2010/main" val="3388349555"/>
+              </p:ext>
+            </p:extLst>
+          </p:nvPr>
+        </p:nvGraphicFramePr>
+        <p:xfrm>
+          <a:off x="107242" y="1828800"/>
+          <a:ext cx="4440297" cy="3932295"/>
+        </p:xfrm>
+        <a:graphic>
+          <a:graphicData uri="http://schemas.openxmlformats.org/drawingml/2006/chart">
+            <c:chart xmlns:c="http://schemas.openxmlformats.org/drawingml/2006/chart" xmlns:r="http://schemas.openxmlformats.org/officeDocument/2006/relationships" r:id="rId3"/>
+          </a:graphicData>
+        </a:graphic>
+      </p:graphicFrame>
+      <p:sp>
+        <p:nvSpPr>
+          <p:cNvPr id="6" name="TextBox 5"/>
+          <p:cNvSpPr txBox="1"/>
+          <p:nvPr/>
+        </p:nvSpPr>
+        <p:spPr>
+          <a:xfrm>
+            <a:off x="3554924" y="1292016"/>
+            <a:ext cx="4295692" cy="369332"/>
+          </a:xfrm>
+          <a:prstGeom prst="rect">
+            <a:avLst/>
+          </a:prstGeom>
+          <a:noFill/>
+        </p:spPr>
+        <p:txBody>
+          <a:bodyPr wrap="none" rtlCol="0">
+            <a:spAutoFit/>
+          </a:bodyPr>
+          <a:lstStyle/>
+          <a:p>
+            <a:r>
+              <a:rPr lang="en-US" dirty="0" smtClean="0"/>
+              <a:t>Default page size is 4k, default </a:t>
+            </a:r>
+            <a:r>
+              <a:rPr lang="en-US" dirty="0" err="1" smtClean="0"/>
+              <a:t>iodepth</a:t>
+            </a:r>
+            <a:r>
+              <a:rPr lang="en-US" dirty="0" smtClean="0"/>
+              <a:t> is 32</a:t>
+            </a:r>
+            <a:endParaRPr lang="en-US" dirty="0"/>
+          </a:p>
+        </p:txBody>
+      </p:sp>
+    </p:spTree>
+    <p:extLst>
+      <p:ext uri="{BB962C8B-B14F-4D97-AF65-F5344CB8AC3E}">
+        <p14:creationId xmlns:p14="http://schemas.microsoft.com/office/powerpoint/2010/main" val="2423822982"/>
+      </p:ext>
+    </p:extLst>
+  </p:cSld>
+  <p:clrMapOvr>
+    <a:masterClrMapping/>
+  </p:clrMapOvr>
+</p:sld>
+</file>
+
+<file path=ppt/slides/slide34.xml><?xml version="1.0" encoding="utf-8"?>
+<p:sld xmlns:a="http://schemas.openxmlformats.org/drawingml/2006/main" xmlns:r="http://schemas.openxmlformats.org/officeDocument/2006/relationships" xmlns:p="http://schemas.openxmlformats.org/presentationml/2006/main">
+  <p:cSld>
+    <p:spTree>
+      <p:nvGrpSpPr>
+        <p:cNvPr id="1" name=""/>
+        <p:cNvGrpSpPr/>
+        <p:nvPr/>
+      </p:nvGrpSpPr>
+      <p:grpSpPr>
+        <a:xfrm>
+          <a:off x="0" y="0"/>
+          <a:ext cx="0" cy="0"/>
+          <a:chOff x="0" y="0"/>
+          <a:chExt cx="0" cy="0"/>
+        </a:xfrm>
+      </p:grpSpPr>
+      <p:sp>
+        <p:nvSpPr>
+          <p:cNvPr id="2" name="Title 1"/>
+          <p:cNvSpPr>
+            <a:spLocks noGrp="1"/>
+          </p:cNvSpPr>
+          <p:nvPr>
+            <p:ph type="title"/>
+          </p:nvPr>
+        </p:nvSpPr>
+        <p:spPr/>
+        <p:txBody>
+          <a:bodyPr/>
+          <a:lstStyle/>
+          <a:p>
+            <a:r>
+              <a:rPr lang="en-US" dirty="0" smtClean="0"/>
+              <a:t>Virtual Storage - </a:t>
+            </a:r>
+            <a:r>
+              <a:rPr lang="en-US" dirty="0" err="1" smtClean="0"/>
+              <a:t>seqWrites</a:t>
+            </a:r>
+            <a:r>
+              <a:rPr lang="en-US" dirty="0" smtClean="0"/>
+              <a:t> </a:t>
+            </a:r>
+            <a:endParaRPr lang="en-US" dirty="0"/>
+          </a:p>
+        </p:txBody>
+      </p:sp>
+      <p:sp>
+        <p:nvSpPr>
+          <p:cNvPr id="3" name="Footer Placeholder 2"/>
+          <p:cNvSpPr>
+            <a:spLocks noGrp="1"/>
+          </p:cNvSpPr>
+          <p:nvPr>
+            <p:ph type="ftr" sz="quarter" idx="11"/>
+          </p:nvPr>
+        </p:nvSpPr>
+        <p:spPr/>
+        <p:txBody>
+          <a:bodyPr/>
+          <a:lstStyle/>
+          <a:p>
+            <a:r>
+              <a:rPr lang="en-US" smtClean="0"/>
+              <a:t>@ Dennis Shasha and Philippe Bonnet, 2013 </a:t>
+            </a:r>
+            <a:endParaRPr lang="en-US"/>
+          </a:p>
+        </p:txBody>
+      </p:sp>
+      <p:sp>
+        <p:nvSpPr>
+          <p:cNvPr id="4" name="TextBox 3"/>
+          <p:cNvSpPr txBox="1"/>
+          <p:nvPr/>
+        </p:nvSpPr>
+        <p:spPr>
+          <a:xfrm>
+            <a:off x="3554924" y="1292016"/>
+            <a:ext cx="2831124" cy="369332"/>
+          </a:xfrm>
+          <a:prstGeom prst="rect">
+            <a:avLst/>
+          </a:prstGeom>
+          <a:noFill/>
+        </p:spPr>
+        <p:txBody>
+          <a:bodyPr wrap="none" rtlCol="0">
+            <a:spAutoFit/>
+          </a:bodyPr>
+          <a:lstStyle/>
+          <a:p>
+            <a:r>
+              <a:rPr lang="en-US" dirty="0"/>
+              <a:t>P</a:t>
+            </a:r>
+            <a:r>
+              <a:rPr lang="en-US" dirty="0" smtClean="0"/>
+              <a:t>age </a:t>
+            </a:r>
+            <a:r>
+              <a:rPr lang="en-US" dirty="0" smtClean="0"/>
+              <a:t>size is 4k, </a:t>
+            </a:r>
+            <a:r>
+              <a:rPr lang="en-US" dirty="0" err="1" smtClean="0"/>
+              <a:t>iodepth</a:t>
+            </a:r>
+            <a:r>
+              <a:rPr lang="en-US" dirty="0" smtClean="0"/>
+              <a:t> </a:t>
+            </a:r>
+            <a:r>
+              <a:rPr lang="en-US" dirty="0" smtClean="0"/>
+              <a:t>is 32</a:t>
+            </a:r>
+            <a:endParaRPr lang="en-US" dirty="0"/>
+          </a:p>
+        </p:txBody>
+      </p:sp>
+      <p:graphicFrame>
+        <p:nvGraphicFramePr>
+          <p:cNvPr id="5" name="Chart 4"/>
+          <p:cNvGraphicFramePr/>
+          <p:nvPr>
+            <p:extLst>
+              <p:ext uri="{D42A27DB-BD31-4B8C-83A1-F6EECF244321}">
+                <p14:modId xmlns:p14="http://schemas.microsoft.com/office/powerpoint/2010/main" val="1351117143"/>
+              </p:ext>
+            </p:extLst>
+          </p:nvPr>
+        </p:nvGraphicFramePr>
+        <p:xfrm>
+          <a:off x="1524000" y="1933222"/>
+          <a:ext cx="6096000" cy="4064000"/>
+        </p:xfrm>
+        <a:graphic>
+          <a:graphicData uri="http://schemas.openxmlformats.org/drawingml/2006/chart">
+            <c:chart xmlns:c="http://schemas.openxmlformats.org/drawingml/2006/chart" xmlns:r="http://schemas.openxmlformats.org/officeDocument/2006/relationships" r:id="rId2"/>
+          </a:graphicData>
+        </a:graphic>
+      </p:graphicFrame>
+    </p:spTree>
+    <p:extLst>
+      <p:ext uri="{BB962C8B-B14F-4D97-AF65-F5344CB8AC3E}">
+        <p14:creationId xmlns:p14="http://schemas.microsoft.com/office/powerpoint/2010/main" val="3157162043"/>
+      </p:ext>
+    </p:extLst>
+  </p:cSld>
+  <p:clrMapOvr>
+    <a:masterClrMapping/>
+  </p:clrMapOvr>
+</p:sld>
+</file>
+
+<file path=ppt/slides/slide35.xml><?xml version="1.0" encoding="utf-8"?>
+<p:sld xmlns:a="http://schemas.openxmlformats.org/drawingml/2006/main" xmlns:r="http://schemas.openxmlformats.org/officeDocument/2006/relationships" xmlns:p="http://schemas.openxmlformats.org/presentationml/2006/main">
+  <p:cSld>
+    <p:spTree>
+      <p:nvGrpSpPr>
+        <p:cNvPr id="1" name=""/>
+        <p:cNvGrpSpPr/>
+        <p:nvPr/>
+      </p:nvGrpSpPr>
+      <p:grpSpPr>
+        <a:xfrm>
+          <a:off x="0" y="0"/>
+          <a:ext cx="0" cy="0"/>
+          <a:chOff x="0" y="0"/>
+          <a:chExt cx="0" cy="0"/>
+        </a:xfrm>
+      </p:grpSpPr>
+      <p:sp>
+        <p:nvSpPr>
+          <p:cNvPr id="2" name="Title 1"/>
+          <p:cNvSpPr>
+            <a:spLocks noGrp="1"/>
+          </p:cNvSpPr>
+          <p:nvPr>
+            <p:ph type="title"/>
+          </p:nvPr>
+        </p:nvSpPr>
+        <p:spPr/>
+        <p:txBody>
+          <a:bodyPr/>
+          <a:lstStyle/>
+          <a:p>
+            <a:r>
+              <a:rPr lang="en-US" dirty="0" smtClean="0"/>
+              <a:t>Virtual Storage - </a:t>
+            </a:r>
+            <a:r>
+              <a:rPr lang="en-US" dirty="0" err="1" smtClean="0"/>
+              <a:t>randReads</a:t>
+            </a:r>
+            <a:endParaRPr lang="en-US" dirty="0"/>
+          </a:p>
+        </p:txBody>
+      </p:sp>
+      <p:sp>
+        <p:nvSpPr>
+          <p:cNvPr id="3" name="Footer Placeholder 2"/>
+          <p:cNvSpPr>
+            <a:spLocks noGrp="1"/>
+          </p:cNvSpPr>
+          <p:nvPr>
+            <p:ph type="ftr" sz="quarter" idx="11"/>
+          </p:nvPr>
+        </p:nvSpPr>
+        <p:spPr/>
+        <p:txBody>
+          <a:bodyPr/>
+          <a:lstStyle/>
+          <a:p>
+            <a:r>
+              <a:rPr lang="en-US" smtClean="0"/>
+              <a:t>@ Dennis Shasha and Philippe Bonnet, 2013 </a:t>
+            </a:r>
+            <a:endParaRPr lang="en-US"/>
+          </a:p>
+        </p:txBody>
+      </p:sp>
+      <p:graphicFrame>
+        <p:nvGraphicFramePr>
+          <p:cNvPr id="4" name="Chart 3" title="Host Performance"/>
+          <p:cNvGraphicFramePr/>
+          <p:nvPr>
+            <p:extLst>
+              <p:ext uri="{D42A27DB-BD31-4B8C-83A1-F6EECF244321}">
+                <p14:modId xmlns:p14="http://schemas.microsoft.com/office/powerpoint/2010/main" val="1115259936"/>
+              </p:ext>
+            </p:extLst>
+          </p:nvPr>
+        </p:nvGraphicFramePr>
+        <p:xfrm>
+          <a:off x="107242" y="1524000"/>
+          <a:ext cx="4440297" cy="3932295"/>
+        </p:xfrm>
+        <a:graphic>
+          <a:graphicData uri="http://schemas.openxmlformats.org/drawingml/2006/chart">
+            <c:chart xmlns:c="http://schemas.openxmlformats.org/drawingml/2006/chart" xmlns:r="http://schemas.openxmlformats.org/officeDocument/2006/relationships" r:id="rId2"/>
+          </a:graphicData>
+        </a:graphic>
+      </p:graphicFrame>
+      <p:graphicFrame>
+        <p:nvGraphicFramePr>
+          <p:cNvPr id="6" name="Chart 5" title="Host Performance"/>
+          <p:cNvGraphicFramePr/>
+          <p:nvPr>
+            <p:extLst>
+              <p:ext uri="{D42A27DB-BD31-4B8C-83A1-F6EECF244321}">
+                <p14:modId xmlns:p14="http://schemas.microsoft.com/office/powerpoint/2010/main" val="2122101595"/>
+              </p:ext>
+            </p:extLst>
+          </p:nvPr>
+        </p:nvGraphicFramePr>
+        <p:xfrm>
+          <a:off x="4703703" y="1524000"/>
+          <a:ext cx="4440297" cy="3932295"/>
+        </p:xfrm>
+        <a:graphic>
+          <a:graphicData uri="http://schemas.openxmlformats.org/drawingml/2006/chart">
+            <c:chart xmlns:c="http://schemas.openxmlformats.org/drawingml/2006/chart" xmlns:r="http://schemas.openxmlformats.org/officeDocument/2006/relationships" r:id="rId3"/>
+          </a:graphicData>
+        </a:graphic>
+      </p:graphicFrame>
+      <p:sp>
+        <p:nvSpPr>
+          <p:cNvPr id="7" name="TextBox 6"/>
+          <p:cNvSpPr txBox="1"/>
+          <p:nvPr/>
+        </p:nvSpPr>
+        <p:spPr>
+          <a:xfrm>
+            <a:off x="5741206" y="1292016"/>
+            <a:ext cx="1623987" cy="369332"/>
+          </a:xfrm>
+          <a:prstGeom prst="rect">
+            <a:avLst/>
+          </a:prstGeom>
+          <a:noFill/>
+        </p:spPr>
+        <p:txBody>
+          <a:bodyPr wrap="none" rtlCol="0">
+            <a:spAutoFit/>
+          </a:bodyPr>
+          <a:lstStyle/>
+          <a:p>
+            <a:r>
+              <a:rPr lang="en-US" dirty="0" smtClean="0"/>
+              <a:t>Page size is 4k*</a:t>
+            </a:r>
+            <a:endParaRPr lang="en-US" dirty="0"/>
+          </a:p>
+        </p:txBody>
+      </p:sp>
+      <p:sp>
+        <p:nvSpPr>
+          <p:cNvPr id="5" name="TextBox 4"/>
+          <p:cNvSpPr txBox="1"/>
+          <p:nvPr/>
+        </p:nvSpPr>
+        <p:spPr>
+          <a:xfrm>
+            <a:off x="5741206" y="5936074"/>
+            <a:ext cx="3326552" cy="553998"/>
+          </a:xfrm>
+          <a:prstGeom prst="rect">
+            <a:avLst/>
+          </a:prstGeom>
+          <a:noFill/>
+        </p:spPr>
+        <p:txBody>
+          <a:bodyPr wrap="none" rtlCol="0">
+            <a:spAutoFit/>
+          </a:bodyPr>
+          <a:lstStyle/>
+          <a:p>
+            <a:r>
+              <a:rPr lang="en-US" sz="1200" dirty="0" smtClean="0"/>
+              <a:t>* experiments </a:t>
+            </a:r>
+            <a:r>
+              <a:rPr lang="en-US" sz="1200" dirty="0"/>
+              <a:t>with 32k show negligible </a:t>
+            </a:r>
+            <a:r>
+              <a:rPr lang="en-US" sz="1200" dirty="0" smtClean="0"/>
+              <a:t>difference</a:t>
+            </a:r>
+            <a:endParaRPr lang="en-US" sz="1200" dirty="0"/>
+          </a:p>
+          <a:p>
+            <a:endParaRPr lang="en-US" dirty="0"/>
+          </a:p>
+        </p:txBody>
+      </p:sp>
+    </p:spTree>
+    <p:extLst>
+      <p:ext uri="{BB962C8B-B14F-4D97-AF65-F5344CB8AC3E}">
+        <p14:creationId xmlns:p14="http://schemas.microsoft.com/office/powerpoint/2010/main" val="4294585785"/>
+      </p:ext>
+    </p:extLst>
+  </p:cSld>
+  <p:clrMapOvr>
+    <a:masterClrMapping/>
+  </p:clrMapOvr>
+</p:sld>
+</file>
+
 <file path=ppt/slides/slide4.xml><?xml version="1.0" encoding="utf-8"?>
 <p:sld xmlns:a="http://schemas.openxmlformats.org/drawingml/2006/main" xmlns:r="http://schemas.openxmlformats.org/officeDocument/2006/relationships" xmlns:p="http://schemas.openxmlformats.org/presentationml/2006/main">
   <p:cSld>
@@ -21403,7 +24542,24 @@
                   <a:schemeClr val="tx1"/>
                 </a:solidFill>
               </a:rPr>
-              <a:t>How many IO per second can your laptop CPU issue ( </a:t>
+              <a:t>How many IO per second can your laptop CPU </a:t>
+            </a:r>
+            <a:r>
+              <a:rPr lang="en-US" sz="1400" smtClean="0">
+                <a:solidFill>
+                  <a:schemeClr val="tx1"/>
+                </a:solidFill>
+              </a:rPr>
+              <a:t>issue (</a:t>
+            </a:r>
+            <a:r>
+              <a:rPr lang="en-US" sz="1400" smtClean="0">
+                <a:solidFill>
+                  <a:schemeClr val="tx1"/>
+                </a:solidFill>
+                <a:hlinkClick r:id="rId2"/>
+              </a:rPr>
+              <a:t>look </a:t>
             </a:r>
             <a:r>
               <a:rPr lang="en-US" sz="1400" dirty="0" smtClean="0">
@@ -21412,7 +24568,7 @@
                 </a:solidFill>
                 <a:hlinkClick r:id="rId2"/>
               </a:rPr>
-              <a:t>look up the MIPS</a:t>
+              <a:t>up the MIPS</a:t>
             </a:r>
           </a:p>
           <a:p>
